--- a/_site/slides/Lecture01/Lecture01.pptx
+++ b/_site/slides/Lecture01/Lecture01.pptx
@@ -5366,7 +5366,7 @@
             </a:pPr>
             <a:r>
               <a:rPr/>
-              <a:t>9/18/22</a:t>
+              <a:t>9/19/22</a:t>
             </a:r>
           </a:p>
         </p:txBody>

--- a/_site/slides/Lecture01/Lecture01.pptx
+++ b/_site/slides/Lecture01/Lecture01.pptx
@@ -5,7 +5,7 @@
     <p:sldMasterId id="2147483686" r:id="rId1"/>
   </p:sldMasterIdLst>
   <p:notesMasterIdLst>
-    <p:notesMasterId r:id="rId21"/>
+    <p:notesMasterId r:id="rId29"/>
   </p:notesMasterIdLst>
   <p:sldIdLst>
     <p:sldId id="256" r:id="rId2"/>
@@ -27,6 +27,14 @@
     <p:sldId id="272" r:id="rId18"/>
     <p:sldId id="273" r:id="rId19"/>
     <p:sldId id="274" r:id="rId20"/>
+    <p:sldId id="275" r:id="rId21"/>
+    <p:sldId id="276" r:id="rId22"/>
+    <p:sldId id="277" r:id="rId23"/>
+    <p:sldId id="278" r:id="rId24"/>
+    <p:sldId id="279" r:id="rId25"/>
+    <p:sldId id="280" r:id="rId26"/>
+    <p:sldId id="281" r:id="rId27"/>
+    <p:sldId id="282" r:id="rId28"/>
   </p:sldIdLst>
   <p:sldSz cx="12192000" cy="6858000"/>
   <p:notesSz cx="6858000" cy="9144000"/>
@@ -542,49 +550,7 @@
             </a:pPr>
             <a:r>
               <a:rPr/>
-              <a:t>Quarto enables collaborating across coding comfort levels, which means it’s a friendly tool Also means we can broaden our idea of collaborators substantially and earlier.</a:t>
-            </a:r>
-          </a:p>
-          <a:p>
-            <a:pPr lvl="0" indent="0" marL="0">
-              <a:buNone/>
-            </a:pPr>
-          </a:p>
-          <a:p>
-            <a:pPr lvl="0" indent="0" marL="0">
-              <a:buNone/>
-            </a:pPr>
-            <a:r>
-              <a:rPr/>
-              <a:t>And, then RStudio IDE Visual Editor further lowers barriers</a:t>
-            </a:r>
-          </a:p>
-          <a:p>
-            <a:pPr lvl="0" indent="0" marL="0">
-              <a:buNone/>
-            </a:pPr>
-          </a:p>
-          <a:p>
-            <a:pPr lvl="0" indent="0" marL="0">
-              <a:buNone/>
-            </a:pPr>
-            <a:r>
-              <a:rPr/>
-              <a:t>I’ll do one final demo here - Friendly for new learners, also for experienced users.</a:t>
-            </a:r>
-          </a:p>
-          <a:p>
-            <a:pPr lvl="0" indent="0" marL="0">
-              <a:buNone/>
-            </a:pPr>
-          </a:p>
-          <a:p>
-            <a:pPr lvl="0" indent="0" marL="0">
-              <a:buNone/>
-            </a:pPr>
-            <a:r>
-              <a:rPr/>
-              <a:t>Think about how you might use this yourself, and teach a colleague</a:t>
+              <a:t>Speaker notes (press ‘s’ when presenting to switch to speaker mode).</a:t>
             </a:r>
           </a:p>
         </p:txBody>
@@ -606,7 +572,7 @@
           <a:p>
             <a:fld id="{18BDFEC3-8487-43E8-A154-7C12CBC1FFF2}" type="slidenum">
               <a:rPr lang="en-US"/>
-              <a:t>7</a:t>
+              <a:t>14</a:t>
             </a:fld>
             <a:endParaRPr lang="en-US"/>
           </a:p>
@@ -688,7 +654,7 @@
           <a:p>
             <a:fld id="{18BDFEC3-8487-43E8-A154-7C12CBC1FFF2}" type="slidenum">
               <a:rPr lang="en-US"/>
-              <a:t>14</a:t>
+              <a:t>22</a:t>
             </a:fld>
             <a:endParaRPr lang="en-US"/>
           </a:p>
@@ -770,7 +736,7 @@
           <a:p>
             <a:fld id="{18BDFEC3-8487-43E8-A154-7C12CBC1FFF2}" type="slidenum">
               <a:rPr lang="en-US"/>
-              <a:t>17</a:t>
+              <a:t>24</a:t>
             </a:fld>
             <a:endParaRPr lang="en-US"/>
           </a:p>
@@ -5329,7 +5295,7 @@
             </a:pPr>
             <a:r>
               <a:rPr/>
-              <a:t>Lecture topic</a:t>
+              <a:t>Content Not Yet Available</a:t>
             </a:r>
             <a:br/>
             <a:br/>
@@ -5366,7 +5332,7 @@
             </a:pPr>
             <a:r>
               <a:rPr/>
-              <a:t>9/19/22</a:t>
+              <a:t>03/10/22</a:t>
             </a:r>
           </a:p>
         </p:txBody>
@@ -5427,7 +5393,7 @@
             </a:pPr>
             <a:r>
               <a:rPr/>
-              <a:t>Incremental lists</a:t>
+              <a:t>Page with a caution</a:t>
             </a:r>
           </a:p>
         </p:txBody>
@@ -5453,17 +5419,1996 @@
           <a:bodyPr/>
           <a:lstStyle/>
           <a:p>
+            <a:pPr lvl="0" indent="0" marL="0">
+              <a:buNone/>
+            </a:pPr>
+            <a:r>
+              <a:rPr/>
+              <a:t>Here is something I say</a:t>
+            </a:r>
+          </a:p>
+          <a:p>
+            <a:pPr lvl="0" indent="0" marL="1270000">
+              <a:buNone/>
+            </a:pPr>
+            <a:r>
+              <a:rPr sz="2000" b="1"/>
+              <a:t>Caution</a:t>
+            </a:r>
+          </a:p>
+          <a:p>
+            <a:pPr lvl="0" indent="0" marL="1270000">
+              <a:buNone/>
+            </a:pPr>
+            <a:r>
+              <a:rPr sz="2000"/>
+              <a:t>This is something to be cautious about</a:t>
+            </a:r>
+          </a:p>
+        </p:txBody>
+      </p:sp>
+    </p:spTree>
+  </p:cSld>
+</p:sld>
+</file>
+
+<file path=ppt/slides/slide11.xml><?xml version="1.0" encoding="utf-8"?>
+<p:sld xmlns:a="http://schemas.openxmlformats.org/drawingml/2006/main" xmlns:r="http://schemas.openxmlformats.org/officeDocument/2006/relationships" xmlns:p="http://schemas.openxmlformats.org/presentationml/2006/main">
+  <p:cSld>
+    <p:spTree>
+      <p:nvGrpSpPr>
+        <p:cNvPr id="1" name=""/>
+        <p:cNvGrpSpPr/>
+        <p:nvPr/>
+      </p:nvGrpSpPr>
+      <p:grpSpPr>
+        <a:xfrm>
+          <a:off x="0" y="0"/>
+          <a:ext cx="0" cy="0"/>
+          <a:chOff x="0" y="0"/>
+          <a:chExt cx="0" cy="0"/>
+        </a:xfrm>
+      </p:grpSpPr>
+      <p:sp>
+        <p:nvSpPr>
+          <p:cNvPr id="2" name="Title 1">
+            <a:extLst>
+              <a:ext uri="{FF2B5EF4-FFF2-40B4-BE49-F238E27FC236}">
+                <a16:creationId xmlns:a16="http://schemas.microsoft.com/office/drawing/2014/main" id="{2ECFDBC1-527D-3041-984A-EF5E7E9B7495}"/>
+              </a:ext>
+            </a:extLst>
+          </p:cNvPr>
+          <p:cNvSpPr>
+            <a:spLocks noGrp="1"/>
+          </p:cNvSpPr>
+          <p:nvPr>
+            <p:ph type="title"/>
+          </p:nvPr>
+        </p:nvSpPr>
+        <p:spPr>
+          <a:xfrm>
+            <a:off x="838200" y="365129"/>
+            <a:ext cx="10515600" cy="1325563"/>
+          </a:xfrm>
+          <a:prstGeom prst="rect">
+            <a:avLst/>
+          </a:prstGeom>
+        </p:spPr>
+        <p:txBody>
+          <a:bodyPr/>
+          <a:lstStyle/>
+          <a:p>
+            <a:pPr lvl="0" indent="0" marL="0">
+              <a:buNone/>
+            </a:pPr>
+            <a:r>
+              <a:rPr/>
+              <a:t>Two Columns (Text)</a:t>
+            </a:r>
+          </a:p>
+        </p:txBody>
+      </p:sp>
+      <p:sp>
+        <p:nvSpPr>
+          <p:cNvPr id="3" name="Content Placeholder 2">
+            <a:extLst>
+              <a:ext uri="{FF2B5EF4-FFF2-40B4-BE49-F238E27FC236}">
+                <a16:creationId xmlns:a16="http://schemas.microsoft.com/office/drawing/2014/main" id="{63FA7BF1-44B1-744C-AB68-4BB0A6A5977E}"/>
+              </a:ext>
+            </a:extLst>
+          </p:cNvPr>
+          <p:cNvSpPr>
+            <a:spLocks noGrp="1"/>
+          </p:cNvSpPr>
+          <p:nvPr>
+            <p:ph idx="1" sz="half"/>
+          </p:nvPr>
+        </p:nvSpPr>
+        <p:spPr/>
+        <p:txBody>
+          <a:bodyPr/>
+          <a:lstStyle/>
+          <a:p>
+            <a:pPr lvl="0" indent="0" marL="0">
+              <a:buNone/>
+            </a:pPr>
+            <a:r>
+              <a:rPr/>
+              <a:t>Left column</a:t>
+            </a:r>
+          </a:p>
+        </p:txBody>
+      </p:sp>
+      <p:sp>
+        <p:nvSpPr>
+          <p:cNvPr id="4" name="Content Placeholder 3">
+            <a:extLst>
+              <a:ext uri="{FF2B5EF4-FFF2-40B4-BE49-F238E27FC236}">
+                <a16:creationId xmlns:a16="http://schemas.microsoft.com/office/drawing/2014/main" id="{3B974A49-6A1E-2F48-B419-02B0A17B9692}"/>
+              </a:ext>
+            </a:extLst>
+          </p:cNvPr>
+          <p:cNvSpPr>
+            <a:spLocks noGrp="1"/>
+          </p:cNvSpPr>
+          <p:nvPr>
+            <p:ph idx="2" sz="half"/>
+          </p:nvPr>
+        </p:nvSpPr>
+        <p:spPr/>
+        <p:txBody>
+          <a:bodyPr/>
+          <a:lstStyle/>
+          <a:p>
+            <a:pPr lvl="0" indent="0" marL="0">
+              <a:buNone/>
+            </a:pPr>
+            <a:r>
+              <a:rPr/>
+              <a:t>Right column</a:t>
+            </a:r>
+          </a:p>
+        </p:txBody>
+      </p:sp>
+    </p:spTree>
+  </p:cSld>
+</p:sld>
+</file>
+
+<file path=ppt/slides/slide12.xml><?xml version="1.0" encoding="utf-8"?>
+<p:sld xmlns:a="http://schemas.openxmlformats.org/drawingml/2006/main" xmlns:r="http://schemas.openxmlformats.org/officeDocument/2006/relationships" xmlns:p="http://schemas.openxmlformats.org/presentationml/2006/main">
+  <p:cSld>
+    <p:spTree>
+      <p:nvGrpSpPr>
+        <p:cNvPr id="1" name=""/>
+        <p:cNvGrpSpPr/>
+        <p:nvPr/>
+      </p:nvGrpSpPr>
+      <p:grpSpPr>
+        <a:xfrm>
+          <a:off x="0" y="0"/>
+          <a:ext cx="0" cy="0"/>
+          <a:chOff x="0" y="0"/>
+          <a:chExt cx="0" cy="0"/>
+        </a:xfrm>
+      </p:grpSpPr>
+      <p:sp>
+        <p:nvSpPr>
+          <p:cNvPr id="2" name="Title 1">
+            <a:extLst>
+              <a:ext uri="{FF2B5EF4-FFF2-40B4-BE49-F238E27FC236}">
+                <a16:creationId xmlns:a16="http://schemas.microsoft.com/office/drawing/2014/main" id="{2ECFDBC1-527D-3041-984A-EF5E7E9B7495}"/>
+              </a:ext>
+            </a:extLst>
+          </p:cNvPr>
+          <p:cNvSpPr>
+            <a:spLocks noGrp="1"/>
+          </p:cNvSpPr>
+          <p:nvPr>
+            <p:ph type="title"/>
+          </p:nvPr>
+        </p:nvSpPr>
+        <p:spPr>
+          <a:xfrm>
+            <a:off x="838200" y="365129"/>
+            <a:ext cx="10515600" cy="1325563"/>
+          </a:xfrm>
+          <a:prstGeom prst="rect">
+            <a:avLst/>
+          </a:prstGeom>
+        </p:spPr>
+        <p:txBody>
+          <a:bodyPr/>
+          <a:lstStyle/>
+          <a:p>
+            <a:pPr lvl="0" indent="0" marL="0">
+              <a:buNone/>
+            </a:pPr>
+            <a:r>
+              <a:rPr/>
+              <a:t>Two Columns (Text + Image)</a:t>
+            </a:r>
+          </a:p>
+        </p:txBody>
+      </p:sp>
+      <p:sp>
+        <p:nvSpPr>
+          <p:cNvPr id="3" name="Content Placeholder 2">
+            <a:extLst>
+              <a:ext uri="{FF2B5EF4-FFF2-40B4-BE49-F238E27FC236}">
+                <a16:creationId xmlns:a16="http://schemas.microsoft.com/office/drawing/2014/main" id="{63FA7BF1-44B1-744C-AB68-4BB0A6A5977E}"/>
+              </a:ext>
+            </a:extLst>
+          </p:cNvPr>
+          <p:cNvSpPr>
+            <a:spLocks noGrp="1"/>
+          </p:cNvSpPr>
+          <p:nvPr>
+            <p:ph idx="1" sz="half"/>
+          </p:nvPr>
+        </p:nvSpPr>
+        <p:spPr/>
+        <p:txBody>
+          <a:bodyPr/>
+          <a:lstStyle/>
+          <a:p>
+            <a:pPr lvl="0" indent="0" marL="0">
+              <a:buNone/>
+            </a:pPr>
+            <a:r>
+              <a:rPr/>
+              <a:t>Left column</a:t>
+            </a:r>
+          </a:p>
+        </p:txBody>
+      </p:sp>
+      <p:pic>
+        <p:nvPicPr>
+          <p:cNvPr descr="fig:  images/LMLLOGO.png" id="0" name="Picture 1"/>
+          <p:cNvPicPr>
+            <a:picLocks noGrp="1" noChangeAspect="1"/>
+          </p:cNvPicPr>
+          <p:nvPr/>
+        </p:nvPicPr>
+        <p:blipFill>
+          <a:blip r:embed="rId2"/>
+          <a:stretch>
+            <a:fillRect/>
+          </a:stretch>
+        </p:blipFill>
+        <p:spPr bwMode="auto">
+          <a:xfrm>
+            <a:off x="6845300" y="1816100"/>
+            <a:ext cx="3835400" cy="3835400"/>
+          </a:xfrm>
+          <a:prstGeom prst="rect">
+            <a:avLst/>
+          </a:prstGeom>
+          <a:noFill/>
+          <a:ln w="9525">
+            <a:noFill/>
+            <a:headEnd/>
+            <a:tailEnd/>
+          </a:ln>
+        </p:spPr>
+      </p:pic>
+      <p:sp>
+        <p:nvSpPr>
+          <p:cNvPr id="1" name="TextBox 3"/>
+          <p:cNvSpPr txBox="1"/>
+          <p:nvPr/>
+        </p:nvSpPr>
+        <p:spPr>
+          <a:xfrm>
+            <a:off x="6172200" y="5651500"/>
+            <a:ext cx="5181600" cy="508000"/>
+          </a:xfrm>
+          <a:prstGeom prst="rect">
+            <a:avLst/>
+          </a:prstGeom>
+          <a:noFill/>
+        </p:spPr>
+        <p:txBody>
+          <a:bodyPr/>
+          <a:lstStyle/>
+          <a:p>
+            <a:pPr lvl="0" indent="0" marL="0" algn="ctr">
+              <a:buNone/>
+            </a:pPr>
+            <a:r>
+              <a:rPr/>
+              <a:t>LittleMonkeyLab</a:t>
+            </a:r>
+          </a:p>
+        </p:txBody>
+      </p:sp>
+    </p:spTree>
+  </p:cSld>
+</p:sld>
+</file>
+
+<file path=ppt/slides/slide13.xml><?xml version="1.0" encoding="utf-8"?>
+<p:sld xmlns:a="http://schemas.openxmlformats.org/drawingml/2006/main" xmlns:r="http://schemas.openxmlformats.org/officeDocument/2006/relationships" xmlns:p="http://schemas.openxmlformats.org/presentationml/2006/main">
+  <p:cSld>
+    <p:spTree>
+      <p:nvGrpSpPr>
+        <p:cNvPr id="1" name=""/>
+        <p:cNvGrpSpPr/>
+        <p:nvPr/>
+      </p:nvGrpSpPr>
+      <p:grpSpPr>
+        <a:xfrm>
+          <a:off x="0" y="0"/>
+          <a:ext cx="0" cy="0"/>
+          <a:chOff x="0" y="0"/>
+          <a:chExt cx="0" cy="0"/>
+        </a:xfrm>
+      </p:grpSpPr>
+      <p:sp>
+        <p:nvSpPr>
+          <p:cNvPr id="2" name="Title 1">
+            <a:extLst>
+              <a:ext uri="{FF2B5EF4-FFF2-40B4-BE49-F238E27FC236}">
+                <a16:creationId xmlns:a16="http://schemas.microsoft.com/office/drawing/2014/main" id="{DD9B8E45-0772-954C-8D4B-6E6808DFEDED}"/>
+              </a:ext>
+            </a:extLst>
+          </p:cNvPr>
+          <p:cNvSpPr>
+            <a:spLocks noGrp="1"/>
+          </p:cNvSpPr>
+          <p:nvPr>
+            <p:ph type="title"/>
+          </p:nvPr>
+        </p:nvSpPr>
+        <p:spPr>
+          <a:xfrm>
+            <a:off x="838200" y="365129"/>
+            <a:ext cx="10515600" cy="1325563"/>
+          </a:xfrm>
+          <a:prstGeom prst="rect">
+            <a:avLst/>
+          </a:prstGeom>
+        </p:spPr>
+        <p:txBody>
+          <a:bodyPr/>
+          <a:lstStyle/>
+          <a:p>
+            <a:pPr lvl="0" indent="0" marL="0">
+              <a:buNone/>
+            </a:pPr>
+            <a:r>
+              <a:rPr/>
+              <a:t>Slide with different background colour</a:t>
+            </a:r>
+          </a:p>
+        </p:txBody>
+      </p:sp>
+      <p:sp>
+        <p:nvSpPr>
+          <p:cNvPr id="3" name="Content Placeholder 2">
+            <a:extLst>
+              <a:ext uri="{FF2B5EF4-FFF2-40B4-BE49-F238E27FC236}">
+                <a16:creationId xmlns:a16="http://schemas.microsoft.com/office/drawing/2014/main" id="{A4EB24F9-04F1-C843-9D71-56C5C024552B}"/>
+              </a:ext>
+            </a:extLst>
+          </p:cNvPr>
+          <p:cNvSpPr>
+            <a:spLocks noGrp="1"/>
+          </p:cNvSpPr>
+          <p:nvPr>
+            <p:ph idx="1"/>
+          </p:nvPr>
+        </p:nvSpPr>
+        <p:spPr/>
+        <p:txBody>
+          <a:bodyPr/>
+          <a:lstStyle/>
+          <a:p>
+            <a:pPr lvl="0" indent="0" marL="0">
+              <a:buNone/>
+            </a:pPr>
+            <a:r>
+              <a:rPr/>
+              <a:t>Shout</a:t>
+            </a:r>
+          </a:p>
+          <a:p>
+            <a:pPr lvl="0" indent="0" marL="0">
+              <a:buNone/>
+            </a:pPr>
+            <a:r>
+              <a:rPr/>
+              <a:t>Question</a:t>
+            </a:r>
+          </a:p>
+          <a:p>
+            <a:pPr lvl="0" indent="0" marL="0">
+              <a:buNone/>
+            </a:pPr>
+            <a:r>
+              <a:rPr/>
+              <a:t>takeaway</a:t>
+            </a:r>
+          </a:p>
+          <a:p>
+            <a:pPr lvl="0" indent="0" marL="0">
+              <a:buNone/>
+            </a:pPr>
+            <a:r>
+              <a:rPr>
+                <a:hlinkClick r:id="rId2"/>
+              </a:rPr>
+              <a:t>A link to the BBC website</a:t>
+            </a:r>
+          </a:p>
+        </p:txBody>
+      </p:sp>
+    </p:spTree>
+  </p:cSld>
+</p:sld>
+</file>
+
+<file path=ppt/slides/slide14.xml><?xml version="1.0" encoding="utf-8"?>
+<p:sld xmlns:a="http://schemas.openxmlformats.org/drawingml/2006/main" xmlns:r="http://schemas.openxmlformats.org/officeDocument/2006/relationships" xmlns:p="http://schemas.openxmlformats.org/presentationml/2006/main">
+  <p:cSld>
+    <p:spTree>
+      <p:nvGrpSpPr>
+        <p:cNvPr id="1" name=""/>
+        <p:cNvGrpSpPr/>
+        <p:nvPr/>
+      </p:nvGrpSpPr>
+      <p:grpSpPr>
+        <a:xfrm>
+          <a:off x="0" y="0"/>
+          <a:ext cx="0" cy="0"/>
+          <a:chOff x="0" y="0"/>
+          <a:chExt cx="0" cy="0"/>
+        </a:xfrm>
+      </p:grpSpPr>
+      <p:sp>
+        <p:nvSpPr>
+          <p:cNvPr id="2" name="Title 1">
+            <a:extLst>
+              <a:ext uri="{FF2B5EF4-FFF2-40B4-BE49-F238E27FC236}">
+                <a16:creationId xmlns:a16="http://schemas.microsoft.com/office/drawing/2014/main" id="{DD9B8E45-0772-954C-8D4B-6E6808DFEDED}"/>
+              </a:ext>
+            </a:extLst>
+          </p:cNvPr>
+          <p:cNvSpPr>
+            <a:spLocks noGrp="1"/>
+          </p:cNvSpPr>
+          <p:nvPr>
+            <p:ph type="title"/>
+          </p:nvPr>
+        </p:nvSpPr>
+        <p:spPr>
+          <a:xfrm>
+            <a:off x="838200" y="365129"/>
+            <a:ext cx="10515600" cy="1325563"/>
+          </a:xfrm>
+          <a:prstGeom prst="rect">
+            <a:avLst/>
+          </a:prstGeom>
+        </p:spPr>
+        <p:txBody>
+          <a:bodyPr/>
+          <a:lstStyle/>
+          <a:p>
+            <a:pPr lvl="0" indent="0" marL="0">
+              <a:buNone/>
+            </a:pPr>
+            <a:r>
+              <a:rPr/>
+              <a:t>Speaker Notes</a:t>
+            </a:r>
+          </a:p>
+        </p:txBody>
+      </p:sp>
+      <p:sp>
+        <p:nvSpPr>
+          <p:cNvPr id="3" name="Content Placeholder 2">
+            <a:extLst>
+              <a:ext uri="{FF2B5EF4-FFF2-40B4-BE49-F238E27FC236}">
+                <a16:creationId xmlns:a16="http://schemas.microsoft.com/office/drawing/2014/main" id="{A4EB24F9-04F1-C843-9D71-56C5C024552B}"/>
+              </a:ext>
+            </a:extLst>
+          </p:cNvPr>
+          <p:cNvSpPr>
+            <a:spLocks noGrp="1"/>
+          </p:cNvSpPr>
+          <p:nvPr>
+            <p:ph idx="1"/>
+          </p:nvPr>
+        </p:nvSpPr>
+        <p:spPr/>
+        <p:txBody>
+          <a:bodyPr/>
+          <a:lstStyle/>
+          <a:p>
+            <a:pPr lvl="0" indent="0" marL="0">
+              <a:buNone/>
+            </a:pPr>
+            <a:r>
+              <a:rPr/>
+              <a:t>Here is some content</a:t>
+            </a:r>
+          </a:p>
+        </p:txBody>
+      </p:sp>
+    </p:spTree>
+  </p:cSld>
+</p:sld>
+</file>
+
+<file path=ppt/slides/slide15.xml><?xml version="1.0" encoding="utf-8"?>
+<p:sld xmlns:a="http://schemas.openxmlformats.org/drawingml/2006/main" xmlns:r="http://schemas.openxmlformats.org/officeDocument/2006/relationships" xmlns:p="http://schemas.openxmlformats.org/presentationml/2006/main">
+  <p:cSld>
+    <p:spTree>
+      <p:nvGrpSpPr>
+        <p:cNvPr id="1" name=""/>
+        <p:cNvGrpSpPr/>
+        <p:nvPr/>
+      </p:nvGrpSpPr>
+      <p:grpSpPr>
+        <a:xfrm>
+          <a:off x="0" y="0"/>
+          <a:ext cx="0" cy="0"/>
+          <a:chOff x="0" y="0"/>
+          <a:chExt cx="0" cy="0"/>
+        </a:xfrm>
+      </p:grpSpPr>
+      <p:sp>
+        <p:nvSpPr>
+          <p:cNvPr id="2" name="Title 1">
+            <a:extLst>
+              <a:ext uri="{FF2B5EF4-FFF2-40B4-BE49-F238E27FC236}">
+                <a16:creationId xmlns:a16="http://schemas.microsoft.com/office/drawing/2014/main" id="{DD9B8E45-0772-954C-8D4B-6E6808DFEDED}"/>
+              </a:ext>
+            </a:extLst>
+          </p:cNvPr>
+          <p:cNvSpPr>
+            <a:spLocks noGrp="1"/>
+          </p:cNvSpPr>
+          <p:nvPr>
+            <p:ph type="title"/>
+          </p:nvPr>
+        </p:nvSpPr>
+        <p:spPr>
+          <a:xfrm>
+            <a:off x="838200" y="365129"/>
+            <a:ext cx="10515600" cy="1325563"/>
+          </a:xfrm>
+          <a:prstGeom prst="rect">
+            <a:avLst/>
+          </a:prstGeom>
+        </p:spPr>
+        <p:txBody>
+          <a:bodyPr/>
+          <a:lstStyle/>
+          <a:p>
+            <a:pPr lvl="0" indent="0" marL="0">
+              <a:buNone/>
+            </a:pPr>
+            <a:r>
+              <a:rPr/>
+              <a:t>Here is a 2 panel tabset</a:t>
+            </a:r>
+          </a:p>
+        </p:txBody>
+      </p:sp>
+      <p:sp>
+        <p:nvSpPr>
+          <p:cNvPr id="3" name="Content Placeholder 2">
+            <a:extLst>
+              <a:ext uri="{FF2B5EF4-FFF2-40B4-BE49-F238E27FC236}">
+                <a16:creationId xmlns:a16="http://schemas.microsoft.com/office/drawing/2014/main" id="{A4EB24F9-04F1-C843-9D71-56C5C024552B}"/>
+              </a:ext>
+            </a:extLst>
+          </p:cNvPr>
+          <p:cNvSpPr>
+            <a:spLocks noGrp="1"/>
+          </p:cNvSpPr>
+          <p:nvPr>
+            <p:ph idx="1"/>
+          </p:nvPr>
+        </p:nvSpPr>
+        <p:spPr/>
+        <p:txBody>
+          <a:bodyPr/>
+          <a:lstStyle/>
+          <a:p>
+            <a:pPr lvl="0" indent="0" marL="0">
+              <a:spcBef>
+                <a:spcPts val="3000"/>
+              </a:spcBef>
+              <a:buNone/>
+            </a:pPr>
+            <a:r>
+              <a:rPr b="1"/>
+              <a:t>Tab A</a:t>
+            </a:r>
+          </a:p>
+          <a:p>
+            <a:pPr lvl="0" indent="0" marL="0">
+              <a:buNone/>
+            </a:pPr>
+            <a:r>
+              <a:rPr/>
+              <a:t>Content for Tab A</a:t>
+            </a:r>
+          </a:p>
+          <a:p>
+            <a:pPr lvl="0" indent="0" marL="0">
+              <a:spcBef>
+                <a:spcPts val="3000"/>
+              </a:spcBef>
+              <a:buNone/>
+            </a:pPr>
+            <a:r>
+              <a:rPr b="1"/>
+              <a:t>Tab B</a:t>
+            </a:r>
+          </a:p>
+          <a:p>
+            <a:pPr lvl="0" indent="0" marL="0">
+              <a:buNone/>
+            </a:pPr>
+            <a:r>
+              <a:rPr/>
+              <a:t>Content for Tab B</a:t>
+            </a:r>
+          </a:p>
+        </p:txBody>
+      </p:sp>
+    </p:spTree>
+  </p:cSld>
+</p:sld>
+</file>
+
+<file path=ppt/slides/slide16.xml><?xml version="1.0" encoding="utf-8"?>
+<p:sld xmlns:a="http://schemas.openxmlformats.org/drawingml/2006/main" xmlns:r="http://schemas.openxmlformats.org/officeDocument/2006/relationships" xmlns:p="http://schemas.openxmlformats.org/presentationml/2006/main">
+  <p:cSld>
+    <p:spTree>
+      <p:nvGrpSpPr>
+        <p:cNvPr id="1" name=""/>
+        <p:cNvGrpSpPr/>
+        <p:nvPr/>
+      </p:nvGrpSpPr>
+      <p:grpSpPr>
+        <a:xfrm>
+          <a:off x="0" y="0"/>
+          <a:ext cx="0" cy="0"/>
+          <a:chOff x="0" y="0"/>
+          <a:chExt cx="0" cy="0"/>
+        </a:xfrm>
+      </p:grpSpPr>
+      <p:sp>
+        <p:nvSpPr>
+          <p:cNvPr id="2" name="Title 1">
+            <a:extLst>
+              <a:ext uri="{FF2B5EF4-FFF2-40B4-BE49-F238E27FC236}">
+                <a16:creationId xmlns:a16="http://schemas.microsoft.com/office/drawing/2014/main" id="{DD9B8E45-0772-954C-8D4B-6E6808DFEDED}"/>
+              </a:ext>
+            </a:extLst>
+          </p:cNvPr>
+          <p:cNvSpPr>
+            <a:spLocks noGrp="1"/>
+          </p:cNvSpPr>
+          <p:nvPr>
+            <p:ph type="title"/>
+          </p:nvPr>
+        </p:nvSpPr>
+        <p:spPr>
+          <a:xfrm>
+            <a:off x="838200" y="365129"/>
+            <a:ext cx="10515600" cy="1325563"/>
+          </a:xfrm>
+          <a:prstGeom prst="rect">
+            <a:avLst/>
+          </a:prstGeom>
+        </p:spPr>
+        <p:txBody>
+          <a:bodyPr/>
+          <a:lstStyle/>
+          <a:p>
+            <a:pPr lvl="0" indent="0" marL="0">
+              <a:buNone/>
+            </a:pPr>
+            <a:r>
+              <a:rPr/>
+              <a:t>Slide with footnote</a:t>
+            </a:r>
+          </a:p>
+        </p:txBody>
+      </p:sp>
+      <p:sp>
+        <p:nvSpPr>
+          <p:cNvPr id="3" name="Content Placeholder 2">
+            <a:extLst>
+              <a:ext uri="{FF2B5EF4-FFF2-40B4-BE49-F238E27FC236}">
+                <a16:creationId xmlns:a16="http://schemas.microsoft.com/office/drawing/2014/main" id="{A4EB24F9-04F1-C843-9D71-56C5C024552B}"/>
+              </a:ext>
+            </a:extLst>
+          </p:cNvPr>
+          <p:cNvSpPr>
+            <a:spLocks noGrp="1"/>
+          </p:cNvSpPr>
+          <p:nvPr>
+            <p:ph idx="1"/>
+          </p:nvPr>
+        </p:nvSpPr>
+        <p:spPr/>
+        <p:txBody>
+          <a:bodyPr/>
+          <a:lstStyle/>
+          <a:p>
+            <a:pPr lvl="0" indent="0" marL="0">
+              <a:buNone/>
+            </a:pPr>
+            <a:r>
+              <a:rPr/>
+              <a:t>Very important point</a:t>
+            </a:r>
+            <a:r>
+              <a:rPr baseline="30000">
+                <a:hlinkClick r:id="rId2" action="ppaction://hlinksldjump"/>
+              </a:rPr>
+              <a:t>1</a:t>
+            </a:r>
+            <a:r>
+              <a:rPr/>
+              <a:t> made to the class</a:t>
+            </a:r>
+          </a:p>
+        </p:txBody>
+      </p:sp>
+    </p:spTree>
+  </p:cSld>
+</p:sld>
+</file>
+
+<file path=ppt/slides/slide17.xml><?xml version="1.0" encoding="utf-8"?>
+<p:sld xmlns:a="http://schemas.openxmlformats.org/drawingml/2006/main" xmlns:r="http://schemas.openxmlformats.org/officeDocument/2006/relationships" xmlns:p="http://schemas.openxmlformats.org/presentationml/2006/main">
+  <p:cSld>
+    <p:spTree>
+      <p:nvGrpSpPr>
+        <p:cNvPr id="1" name=""/>
+        <p:cNvGrpSpPr/>
+        <p:nvPr/>
+      </p:nvGrpSpPr>
+      <p:grpSpPr>
+        <a:xfrm>
+          <a:off x="0" y="0"/>
+          <a:ext cx="0" cy="0"/>
+          <a:chOff x="0" y="0"/>
+          <a:chExt cx="0" cy="0"/>
+        </a:xfrm>
+      </p:grpSpPr>
+      <p:sp>
+        <p:nvSpPr>
+          <p:cNvPr id="2" name="Title 1">
+            <a:extLst>
+              <a:ext uri="{FF2B5EF4-FFF2-40B4-BE49-F238E27FC236}">
+                <a16:creationId xmlns:a16="http://schemas.microsoft.com/office/drawing/2014/main" id="{FF6A6CB2-D1B6-B94A-84C1-83C65423C650}"/>
+              </a:ext>
+            </a:extLst>
+          </p:cNvPr>
+          <p:cNvSpPr>
+            <a:spLocks noGrp="1"/>
+          </p:cNvSpPr>
+          <p:nvPr>
+            <p:ph type="title"/>
+          </p:nvPr>
+        </p:nvSpPr>
+        <p:spPr>
+          <a:xfrm>
+            <a:off x="831851" y="1709742"/>
+            <a:ext cx="10515600" cy="2852737"/>
+          </a:xfrm>
+          <a:prstGeom prst="rect">
+            <a:avLst/>
+          </a:prstGeom>
+        </p:spPr>
+        <p:txBody>
+          <a:bodyPr/>
+          <a:lstStyle/>
+          <a:p>
+            <a:pPr lvl="0" indent="0" marL="0">
+              <a:buNone/>
+            </a:pPr>
+            <a:r>
+              <a:rPr/>
+              <a:t>Section heading 2007</a:t>
+            </a:r>
+          </a:p>
+        </p:txBody>
+      </p:sp>
+    </p:spTree>
+  </p:cSld>
+</p:sld>
+</file>
+
+<file path=ppt/slides/slide18.xml><?xml version="1.0" encoding="utf-8"?>
+<p:sld xmlns:a="http://schemas.openxmlformats.org/drawingml/2006/main" xmlns:r="http://schemas.openxmlformats.org/officeDocument/2006/relationships" xmlns:p="http://schemas.openxmlformats.org/presentationml/2006/main">
+  <p:cSld>
+    <p:spTree>
+      <p:nvGrpSpPr>
+        <p:cNvPr id="1" name=""/>
+        <p:cNvGrpSpPr/>
+        <p:nvPr/>
+      </p:nvGrpSpPr>
+      <p:grpSpPr>
+        <a:xfrm>
+          <a:off x="0" y="0"/>
+          <a:ext cx="0" cy="0"/>
+          <a:chOff x="0" y="0"/>
+          <a:chExt cx="0" cy="0"/>
+        </a:xfrm>
+      </p:grpSpPr>
+      <p:sp>
+        <p:nvSpPr>
+          <p:cNvPr id="3" name="Content Placeholder 2">
+            <a:extLst>
+              <a:ext uri="{FF2B5EF4-FFF2-40B4-BE49-F238E27FC236}">
+                <a16:creationId xmlns:a16="http://schemas.microsoft.com/office/drawing/2014/main" id="{A4EB24F9-04F1-C843-9D71-56C5C024552B}"/>
+              </a:ext>
+            </a:extLst>
+          </p:cNvPr>
+          <p:cNvSpPr>
+            <a:spLocks noGrp="1"/>
+          </p:cNvSpPr>
+          <p:nvPr>
+            <p:ph idx="1"/>
+          </p:nvPr>
+        </p:nvSpPr>
+        <p:spPr/>
+        <p:txBody>
+          <a:bodyPr/>
+          <a:lstStyle/>
+          <a:p>
+            <a:pPr lvl="0" indent="0" marL="0">
+              <a:buNone/>
+            </a:pPr>
+            <a:r>
+              <a:rPr/>
+              <a:t>subtitle</a:t>
+            </a:r>
+          </a:p>
+        </p:txBody>
+      </p:sp>
+    </p:spTree>
+  </p:cSld>
+</p:sld>
+</file>
+
+<file path=ppt/slides/slide19.xml><?xml version="1.0" encoding="utf-8"?>
+<p:sld xmlns:a="http://schemas.openxmlformats.org/drawingml/2006/main" xmlns:r="http://schemas.openxmlformats.org/officeDocument/2006/relationships" xmlns:p="http://schemas.openxmlformats.org/presentationml/2006/main">
+  <p:cSld>
+    <p:spTree>
+      <p:nvGrpSpPr>
+        <p:cNvPr id="1" name=""/>
+        <p:cNvGrpSpPr/>
+        <p:nvPr/>
+      </p:nvGrpSpPr>
+      <p:grpSpPr>
+        <a:xfrm>
+          <a:off x="0" y="0"/>
+          <a:ext cx="0" cy="0"/>
+          <a:chOff x="0" y="0"/>
+          <a:chExt cx="0" cy="0"/>
+        </a:xfrm>
+      </p:grpSpPr>
+      <p:sp>
+        <p:nvSpPr>
+          <p:cNvPr id="2" name="Title 1">
+            <a:extLst>
+              <a:ext uri="{FF2B5EF4-FFF2-40B4-BE49-F238E27FC236}">
+                <a16:creationId xmlns:a16="http://schemas.microsoft.com/office/drawing/2014/main" id="{2ECFDBC1-527D-3041-984A-EF5E7E9B7495}"/>
+              </a:ext>
+            </a:extLst>
+          </p:cNvPr>
+          <p:cNvSpPr>
+            <a:spLocks noGrp="1"/>
+          </p:cNvSpPr>
+          <p:nvPr>
+            <p:ph type="title"/>
+          </p:nvPr>
+        </p:nvSpPr>
+        <p:spPr>
+          <a:xfrm>
+            <a:off x="838200" y="365129"/>
+            <a:ext cx="10515600" cy="1325563"/>
+          </a:xfrm>
+          <a:prstGeom prst="rect">
+            <a:avLst/>
+          </a:prstGeom>
+        </p:spPr>
+        <p:txBody>
+          <a:bodyPr/>
+          <a:lstStyle/>
+          <a:p>
+            <a:pPr lvl="0" indent="0" marL="0">
+              <a:buNone/>
+            </a:pPr>
+            <a:r>
+              <a:rPr/>
+              <a:t>2 columns unequal 20% 80%</a:t>
+            </a:r>
+          </a:p>
+        </p:txBody>
+      </p:sp>
+      <p:sp>
+        <p:nvSpPr>
+          <p:cNvPr id="3" name="Content Placeholder 2">
+            <a:extLst>
+              <a:ext uri="{FF2B5EF4-FFF2-40B4-BE49-F238E27FC236}">
+                <a16:creationId xmlns:a16="http://schemas.microsoft.com/office/drawing/2014/main" id="{63FA7BF1-44B1-744C-AB68-4BB0A6A5977E}"/>
+              </a:ext>
+            </a:extLst>
+          </p:cNvPr>
+          <p:cNvSpPr>
+            <a:spLocks noGrp="1"/>
+          </p:cNvSpPr>
+          <p:nvPr>
+            <p:ph idx="1" sz="half"/>
+          </p:nvPr>
+        </p:nvSpPr>
+        <p:spPr/>
+        <p:txBody>
+          <a:bodyPr/>
+          <a:lstStyle/>
+          <a:p>
+            <a:pPr lvl="0" indent="0" marL="0">
+              <a:spcBef>
+                <a:spcPts val="3000"/>
+              </a:spcBef>
+              <a:buNone/>
+            </a:pPr>
+            <a:r>
+              <a:rPr b="1"/>
+              <a:t>List One</a:t>
+            </a:r>
+          </a:p>
+          <a:p>
             <a:pPr lvl="0"/>
             <a:r>
               <a:rPr/>
-              <a:t>Put in code fence</a:t>
+              <a:t>Item A</a:t>
             </a:r>
           </a:p>
           <a:p>
             <a:pPr lvl="0"/>
             <a:r>
               <a:rPr/>
-              <a:t>Using three colons</a:t>
+              <a:t>Item B</a:t>
+            </a:r>
+          </a:p>
+          <a:p>
+            <a:pPr lvl="0"/>
+            <a:r>
+              <a:rPr/>
+              <a:t>Item C</a:t>
+            </a:r>
+          </a:p>
+        </p:txBody>
+      </p:sp>
+      <p:sp>
+        <p:nvSpPr>
+          <p:cNvPr id="4" name="Content Placeholder 3">
+            <a:extLst>
+              <a:ext uri="{FF2B5EF4-FFF2-40B4-BE49-F238E27FC236}">
+                <a16:creationId xmlns:a16="http://schemas.microsoft.com/office/drawing/2014/main" id="{3B974A49-6A1E-2F48-B419-02B0A17B9692}"/>
+              </a:ext>
+            </a:extLst>
+          </p:cNvPr>
+          <p:cNvSpPr>
+            <a:spLocks noGrp="1"/>
+          </p:cNvSpPr>
+          <p:nvPr>
+            <p:ph idx="2" sz="half"/>
+          </p:nvPr>
+        </p:nvSpPr>
+        <p:spPr/>
+        <p:txBody>
+          <a:bodyPr/>
+          <a:lstStyle/>
+          <a:p>
+            <a:pPr lvl="0" indent="0" marL="0">
+              <a:spcBef>
+                <a:spcPts val="3000"/>
+              </a:spcBef>
+              <a:buNone/>
+            </a:pPr>
+            <a:r>
+              <a:rPr b="1"/>
+              <a:t>List Two</a:t>
+            </a:r>
+          </a:p>
+          <a:p>
+            <a:pPr lvl="0"/>
+            <a:r>
+              <a:rPr/>
+              <a:t>Item X</a:t>
+            </a:r>
+          </a:p>
+          <a:p>
+            <a:pPr lvl="0"/>
+            <a:r>
+              <a:rPr/>
+              <a:t>Item Y</a:t>
+            </a:r>
+          </a:p>
+          <a:p>
+            <a:pPr lvl="0"/>
+            <a:r>
+              <a:rPr/>
+              <a:t>Item Z</a:t>
+            </a:r>
+          </a:p>
+        </p:txBody>
+      </p:sp>
+    </p:spTree>
+  </p:cSld>
+</p:sld>
+</file>
+
+<file path=ppt/slides/slide2.xml><?xml version="1.0" encoding="utf-8"?>
+<p:sld xmlns:a="http://schemas.openxmlformats.org/drawingml/2006/main" xmlns:r="http://schemas.openxmlformats.org/officeDocument/2006/relationships" xmlns:p="http://schemas.openxmlformats.org/presentationml/2006/main">
+  <p:cSld>
+    <p:spTree>
+      <p:nvGrpSpPr>
+        <p:cNvPr id="1" name=""/>
+        <p:cNvGrpSpPr/>
+        <p:nvPr/>
+      </p:nvGrpSpPr>
+      <p:grpSpPr>
+        <a:xfrm>
+          <a:off x="0" y="0"/>
+          <a:ext cx="0" cy="0"/>
+          <a:chOff x="0" y="0"/>
+          <a:chExt cx="0" cy="0"/>
+        </a:xfrm>
+      </p:grpSpPr>
+      <p:sp>
+        <p:nvSpPr>
+          <p:cNvPr id="2" name="Title 1">
+            <a:extLst>
+              <a:ext uri="{FF2B5EF4-FFF2-40B4-BE49-F238E27FC236}">
+                <a16:creationId xmlns:a16="http://schemas.microsoft.com/office/drawing/2014/main" id="{FF6A6CB2-D1B6-B94A-84C1-83C65423C650}"/>
+              </a:ext>
+            </a:extLst>
+          </p:cNvPr>
+          <p:cNvSpPr>
+            <a:spLocks noGrp="1"/>
+          </p:cNvSpPr>
+          <p:nvPr>
+            <p:ph type="title"/>
+          </p:nvPr>
+        </p:nvSpPr>
+        <p:spPr>
+          <a:xfrm>
+            <a:off x="831851" y="1709742"/>
+            <a:ext cx="10515600" cy="2852737"/>
+          </a:xfrm>
+          <a:prstGeom prst="rect">
+            <a:avLst/>
+          </a:prstGeom>
+        </p:spPr>
+        <p:txBody>
+          <a:bodyPr/>
+          <a:lstStyle/>
+          <a:p>
+            <a:pPr lvl="0" indent="0" marL="0">
+              <a:buNone/>
+            </a:pPr>
+            <a:r>
+              <a:rPr/>
+              <a:t>New Section</a:t>
+            </a:r>
+          </a:p>
+        </p:txBody>
+      </p:sp>
+    </p:spTree>
+  </p:cSld>
+</p:sld>
+</file>
+
+<file path=ppt/slides/slide20.xml><?xml version="1.0" encoding="utf-8"?>
+<p:sld xmlns:a="http://schemas.openxmlformats.org/drawingml/2006/main" xmlns:r="http://schemas.openxmlformats.org/officeDocument/2006/relationships" xmlns:p="http://schemas.openxmlformats.org/presentationml/2006/main">
+  <p:cSld>
+    <p:spTree>
+      <p:nvGrpSpPr>
+        <p:cNvPr id="1" name=""/>
+        <p:cNvGrpSpPr/>
+        <p:nvPr/>
+      </p:nvGrpSpPr>
+      <p:grpSpPr>
+        <a:xfrm>
+          <a:off x="0" y="0"/>
+          <a:ext cx="0" cy="0"/>
+          <a:chOff x="0" y="0"/>
+          <a:chExt cx="0" cy="0"/>
+        </a:xfrm>
+      </p:grpSpPr>
+      <p:sp>
+        <p:nvSpPr>
+          <p:cNvPr id="2" name="Title 1">
+            <a:extLst>
+              <a:ext uri="{FF2B5EF4-FFF2-40B4-BE49-F238E27FC236}">
+                <a16:creationId xmlns:a16="http://schemas.microsoft.com/office/drawing/2014/main" id="{DD9B8E45-0772-954C-8D4B-6E6808DFEDED}"/>
+              </a:ext>
+            </a:extLst>
+          </p:cNvPr>
+          <p:cNvSpPr>
+            <a:spLocks noGrp="1"/>
+          </p:cNvSpPr>
+          <p:nvPr>
+            <p:ph type="title"/>
+          </p:nvPr>
+        </p:nvSpPr>
+        <p:spPr>
+          <a:xfrm>
+            <a:off x="838200" y="365129"/>
+            <a:ext cx="10515600" cy="1325563"/>
+          </a:xfrm>
+          <a:prstGeom prst="rect">
+            <a:avLst/>
+          </a:prstGeom>
+        </p:spPr>
+        <p:txBody>
+          <a:bodyPr/>
+          <a:lstStyle/>
+          <a:p>
+            <a:pPr lvl="0" indent="0" marL="0">
+              <a:buNone/>
+            </a:pPr>
+            <a:r>
+              <a:rPr/>
+              <a:t>Level 2 centred text with break  with striking takeaway background</a:t>
+            </a:r>
+          </a:p>
+        </p:txBody>
+      </p:sp>
+    </p:spTree>
+  </p:cSld>
+</p:sld>
+</file>
+
+<file path=ppt/slides/slide21.xml><?xml version="1.0" encoding="utf-8"?>
+<p:sld xmlns:a="http://schemas.openxmlformats.org/drawingml/2006/main" xmlns:r="http://schemas.openxmlformats.org/officeDocument/2006/relationships" xmlns:p="http://schemas.openxmlformats.org/presentationml/2006/main">
+  <p:cSld>
+    <p:spTree>
+      <p:nvGrpSpPr>
+        <p:cNvPr id="1" name=""/>
+        <p:cNvGrpSpPr/>
+        <p:nvPr/>
+      </p:nvGrpSpPr>
+      <p:grpSpPr>
+        <a:xfrm>
+          <a:off x="0" y="0"/>
+          <a:ext cx="0" cy="0"/>
+          <a:chOff x="0" y="0"/>
+          <a:chExt cx="0" cy="0"/>
+        </a:xfrm>
+      </p:grpSpPr>
+      <p:sp>
+        <p:nvSpPr>
+          <p:cNvPr id="2" name="Title 1">
+            <a:extLst>
+              <a:ext uri="{FF2B5EF4-FFF2-40B4-BE49-F238E27FC236}">
+                <a16:creationId xmlns:a16="http://schemas.microsoft.com/office/drawing/2014/main" id="{DD9B8E45-0772-954C-8D4B-6E6808DFEDED}"/>
+              </a:ext>
+            </a:extLst>
+          </p:cNvPr>
+          <p:cNvSpPr>
+            <a:spLocks noGrp="1"/>
+          </p:cNvSpPr>
+          <p:nvPr>
+            <p:ph type="title"/>
+          </p:nvPr>
+        </p:nvSpPr>
+        <p:spPr>
+          <a:xfrm>
+            <a:off x="838200" y="365129"/>
+            <a:ext cx="10515600" cy="1325563"/>
+          </a:xfrm>
+          <a:prstGeom prst="rect">
+            <a:avLst/>
+          </a:prstGeom>
+        </p:spPr>
+        <p:txBody>
+          <a:bodyPr/>
+          <a:lstStyle/>
+          <a:p>
+            <a:pPr lvl="0" indent="0" marL="0">
+              <a:buNone/>
+            </a:pPr>
+            <a:r>
+              <a:rPr/>
+              <a:t>References</a:t>
+            </a:r>
+          </a:p>
+        </p:txBody>
+      </p:sp>
+      <p:sp>
+        <p:nvSpPr>
+          <p:cNvPr id="3" name="Content Placeholder 2">
+            <a:extLst>
+              <a:ext uri="{FF2B5EF4-FFF2-40B4-BE49-F238E27FC236}">
+                <a16:creationId xmlns:a16="http://schemas.microsoft.com/office/drawing/2014/main" id="{A4EB24F9-04F1-C843-9D71-56C5C024552B}"/>
+              </a:ext>
+            </a:extLst>
+          </p:cNvPr>
+          <p:cNvSpPr>
+            <a:spLocks noGrp="1"/>
+          </p:cNvSpPr>
+          <p:nvPr>
+            <p:ph idx="1"/>
+          </p:nvPr>
+        </p:nvSpPr>
+        <p:spPr/>
+        <p:txBody>
+          <a:bodyPr/>
+          <a:lstStyle/>
+          <a:p>
+            <a:pPr lvl="0" indent="0" marL="0">
+              <a:buNone/>
+            </a:pPr>
+            <a:r>
+              <a:rPr/>
+              <a:t>(Andorsky, 2020; Datu et al., 2021; King, 2021; Rice et al., 2021)</a:t>
+            </a:r>
+          </a:p>
+        </p:txBody>
+      </p:sp>
+    </p:spTree>
+  </p:cSld>
+</p:sld>
+</file>
+
+<file path=ppt/slides/slide22.xml><?xml version="1.0" encoding="utf-8"?>
+<p:sld xmlns:a="http://schemas.openxmlformats.org/drawingml/2006/main" xmlns:r="http://schemas.openxmlformats.org/officeDocument/2006/relationships" xmlns:p="http://schemas.openxmlformats.org/presentationml/2006/main">
+  <p:cSld>
+    <p:spTree>
+      <p:nvGrpSpPr>
+        <p:cNvPr id="1" name=""/>
+        <p:cNvGrpSpPr/>
+        <p:nvPr/>
+      </p:nvGrpSpPr>
+      <p:grpSpPr>
+        <a:xfrm>
+          <a:off x="0" y="0"/>
+          <a:ext cx="0" cy="0"/>
+          <a:chOff x="0" y="0"/>
+          <a:chExt cx="0" cy="0"/>
+        </a:xfrm>
+      </p:grpSpPr>
+      <p:sp>
+        <p:nvSpPr>
+          <p:cNvPr id="2" name="Title 1">
+            <a:extLst>
+              <a:ext uri="{FF2B5EF4-FFF2-40B4-BE49-F238E27FC236}">
+                <a16:creationId xmlns:a16="http://schemas.microsoft.com/office/drawing/2014/main" id="{DD9B8E45-0772-954C-8D4B-6E6808DFEDED}"/>
+              </a:ext>
+            </a:extLst>
+          </p:cNvPr>
+          <p:cNvSpPr>
+            <a:spLocks noGrp="1"/>
+          </p:cNvSpPr>
+          <p:nvPr>
+            <p:ph type="title"/>
+          </p:nvPr>
+        </p:nvSpPr>
+        <p:spPr>
+          <a:xfrm>
+            <a:off x="838200" y="365129"/>
+            <a:ext cx="10515600" cy="1325563"/>
+          </a:xfrm>
+          <a:prstGeom prst="rect">
+            <a:avLst/>
+          </a:prstGeom>
+        </p:spPr>
+        <p:txBody>
+          <a:bodyPr/>
+          <a:lstStyle/>
+          <a:p>
+            <a:pPr lvl="0" indent="0" marL="0">
+              <a:buNone/>
+            </a:pPr>
+            <a:r>
+              <a:rPr/>
+              <a:t>Speaker notes</a:t>
+            </a:r>
+          </a:p>
+        </p:txBody>
+      </p:sp>
+      <p:sp>
+        <p:nvSpPr>
+          <p:cNvPr id="3" name="Content Placeholder 2">
+            <a:extLst>
+              <a:ext uri="{FF2B5EF4-FFF2-40B4-BE49-F238E27FC236}">
+                <a16:creationId xmlns:a16="http://schemas.microsoft.com/office/drawing/2014/main" id="{A4EB24F9-04F1-C843-9D71-56C5C024552B}"/>
+              </a:ext>
+            </a:extLst>
+          </p:cNvPr>
+          <p:cNvSpPr>
+            <a:spLocks noGrp="1"/>
+          </p:cNvSpPr>
+          <p:nvPr>
+            <p:ph idx="1"/>
+          </p:nvPr>
+        </p:nvSpPr>
+        <p:spPr/>
+        <p:txBody>
+          <a:bodyPr/>
+          <a:lstStyle/>
+          <a:p>
+            <a:pPr lvl="0" indent="0" marL="0">
+              <a:buNone/>
+            </a:pPr>
+            <a:r>
+              <a:rPr/>
+              <a:t>Include speaker notes in another fenced code block.</a:t>
+            </a:r>
+          </a:p>
+        </p:txBody>
+      </p:sp>
+    </p:spTree>
+  </p:cSld>
+</p:sld>
+</file>
+
+<file path=ppt/slides/slide23.xml><?xml version="1.0" encoding="utf-8"?>
+<p:sld xmlns:a="http://schemas.openxmlformats.org/drawingml/2006/main" xmlns:r="http://schemas.openxmlformats.org/officeDocument/2006/relationships" xmlns:p="http://schemas.openxmlformats.org/presentationml/2006/main">
+  <p:cSld>
+    <p:spTree>
+      <p:nvGrpSpPr>
+        <p:cNvPr id="1" name=""/>
+        <p:cNvGrpSpPr/>
+        <p:nvPr/>
+      </p:nvGrpSpPr>
+      <p:grpSpPr>
+        <a:xfrm>
+          <a:off x="0" y="0"/>
+          <a:ext cx="0" cy="0"/>
+          <a:chOff x="0" y="0"/>
+          <a:chExt cx="0" cy="0"/>
+        </a:xfrm>
+      </p:grpSpPr>
+      <p:sp>
+        <p:nvSpPr>
+          <p:cNvPr id="2" name="Title 1">
+            <a:extLst>
+              <a:ext uri="{FF2B5EF4-FFF2-40B4-BE49-F238E27FC236}">
+                <a16:creationId xmlns:a16="http://schemas.microsoft.com/office/drawing/2014/main" id="{FF6A6CB2-D1B6-B94A-84C1-83C65423C650}"/>
+              </a:ext>
+            </a:extLst>
+          </p:cNvPr>
+          <p:cNvSpPr>
+            <a:spLocks noGrp="1"/>
+          </p:cNvSpPr>
+          <p:nvPr>
+            <p:ph type="title"/>
+          </p:nvPr>
+        </p:nvSpPr>
+        <p:spPr>
+          <a:xfrm>
+            <a:off x="831851" y="1709742"/>
+            <a:ext cx="10515600" cy="2852737"/>
+          </a:xfrm>
+          <a:prstGeom prst="rect">
+            <a:avLst/>
+          </a:prstGeom>
+        </p:spPr>
+        <p:txBody>
+          <a:bodyPr/>
+          <a:lstStyle/>
+          <a:p>
+            <a:pPr lvl="0" indent="0" marL="0">
+              <a:buNone/>
+            </a:pPr>
+            <a:r>
+              <a:rPr/>
+              <a:t>Fragments with entrance</a:t>
+            </a:r>
+          </a:p>
+        </p:txBody>
+      </p:sp>
+    </p:spTree>
+  </p:cSld>
+</p:sld>
+</file>
+
+<file path=ppt/slides/slide24.xml><?xml version="1.0" encoding="utf-8"?>
+<p:sld xmlns:a="http://schemas.openxmlformats.org/drawingml/2006/main" xmlns:r="http://schemas.openxmlformats.org/officeDocument/2006/relationships" xmlns:p="http://schemas.openxmlformats.org/presentationml/2006/main">
+  <p:cSld>
+    <p:spTree>
+      <p:nvGrpSpPr>
+        <p:cNvPr id="1" name=""/>
+        <p:cNvGrpSpPr/>
+        <p:nvPr/>
+      </p:nvGrpSpPr>
+      <p:grpSpPr>
+        <a:xfrm>
+          <a:off x="0" y="0"/>
+          <a:ext cx="0" cy="0"/>
+          <a:chOff x="0" y="0"/>
+          <a:chExt cx="0" cy="0"/>
+        </a:xfrm>
+      </p:grpSpPr>
+      <p:sp>
+        <p:nvSpPr>
+          <p:cNvPr id="3" name="Content Placeholder 2">
+            <a:extLst>
+              <a:ext uri="{FF2B5EF4-FFF2-40B4-BE49-F238E27FC236}">
+                <a16:creationId xmlns:a16="http://schemas.microsoft.com/office/drawing/2014/main" id="{A4EB24F9-04F1-C843-9D71-56C5C024552B}"/>
+              </a:ext>
+            </a:extLst>
+          </p:cNvPr>
+          <p:cNvSpPr>
+            <a:spLocks noGrp="1"/>
+          </p:cNvSpPr>
+          <p:nvPr>
+            <p:ph idx="1"/>
+          </p:nvPr>
+        </p:nvSpPr>
+        <p:spPr/>
+        <p:txBody>
+          <a:bodyPr/>
+          <a:lstStyle/>
+          <a:p>
+            <a:pPr lvl="0" indent="0" marL="0">
+              <a:buNone/>
+            </a:pPr>
+            <a:r>
+              <a:rPr/>
+              <a:t>Fade in</a:t>
+            </a:r>
+          </a:p>
+          <a:p>
+            <a:pPr lvl="0" indent="0" marL="0">
+              <a:buNone/>
+            </a:pPr>
+            <a:r>
+              <a:rPr/>
+              <a:t>Highlight red</a:t>
+            </a:r>
+          </a:p>
+          <a:p>
+            <a:pPr lvl="0" indent="0" marL="0">
+              <a:buNone/>
+            </a:pPr>
+            <a:r>
+              <a:rPr/>
+              <a:t>Highlight current red (available in green and blue)</a:t>
+            </a:r>
+          </a:p>
+          <a:p>
+            <a:pPr lvl="0" indent="0" marL="0">
+              <a:buNone/>
+            </a:pPr>
+            <a:r>
+              <a:rPr/>
+              <a:t>Fade in, then out</a:t>
+            </a:r>
+          </a:p>
+          <a:p>
+            <a:pPr lvl="0" indent="0" marL="0">
+              <a:buNone/>
+            </a:pPr>
+            <a:r>
+              <a:rPr/>
+              <a:t>Fade in, then semi out</a:t>
+            </a:r>
+          </a:p>
+          <a:p>
+            <a:pPr lvl="0" indent="0" marL="0">
+              <a:buNone/>
+            </a:pPr>
+            <a:r>
+              <a:rPr/>
+              <a:t>Slide up while fading in</a:t>
+            </a:r>
+          </a:p>
+        </p:txBody>
+      </p:sp>
+    </p:spTree>
+  </p:cSld>
+</p:sld>
+</file>
+
+<file path=ppt/slides/slide25.xml><?xml version="1.0" encoding="utf-8"?>
+<p:sld xmlns:a="http://schemas.openxmlformats.org/drawingml/2006/main" xmlns:r="http://schemas.openxmlformats.org/officeDocument/2006/relationships" xmlns:p="http://schemas.openxmlformats.org/presentationml/2006/main">
+  <p:cSld>
+    <p:spTree>
+      <p:nvGrpSpPr>
+        <p:cNvPr id="1" name=""/>
+        <p:cNvGrpSpPr/>
+        <p:nvPr/>
+      </p:nvGrpSpPr>
+      <p:grpSpPr>
+        <a:xfrm>
+          <a:off x="0" y="0"/>
+          <a:ext cx="0" cy="0"/>
+          <a:chOff x="0" y="0"/>
+          <a:chExt cx="0" cy="0"/>
+        </a:xfrm>
+      </p:grpSpPr>
+      <p:sp>
+        <p:nvSpPr>
+          <p:cNvPr id="2" name="Title 1">
+            <a:extLst>
+              <a:ext uri="{FF2B5EF4-FFF2-40B4-BE49-F238E27FC236}">
+                <a16:creationId xmlns:a16="http://schemas.microsoft.com/office/drawing/2014/main" id="{FF6A6CB2-D1B6-B94A-84C1-83C65423C650}"/>
+              </a:ext>
+            </a:extLst>
+          </p:cNvPr>
+          <p:cNvSpPr>
+            <a:spLocks noGrp="1"/>
+          </p:cNvSpPr>
+          <p:nvPr>
+            <p:ph type="title"/>
+          </p:nvPr>
+        </p:nvSpPr>
+        <p:spPr>
+          <a:xfrm>
+            <a:off x="831851" y="1709742"/>
+            <a:ext cx="10515600" cy="2852737"/>
+          </a:xfrm>
+          <a:prstGeom prst="rect">
+            <a:avLst/>
+          </a:prstGeom>
+        </p:spPr>
+        <p:txBody>
+          <a:bodyPr/>
+          <a:lstStyle/>
+          <a:p>
+            <a:pPr lvl="0" indent="0" marL="0">
+              <a:buNone/>
+            </a:pPr>
+            <a:r>
+              <a:rPr/>
+              <a:t>References</a:t>
+            </a:r>
+          </a:p>
+        </p:txBody>
+      </p:sp>
+    </p:spTree>
+  </p:cSld>
+</p:sld>
+</file>
+
+<file path=ppt/slides/slide26.xml><?xml version="1.0" encoding="utf-8"?>
+<p:sld xmlns:a="http://schemas.openxmlformats.org/drawingml/2006/main" xmlns:r="http://schemas.openxmlformats.org/officeDocument/2006/relationships" xmlns:p="http://schemas.openxmlformats.org/presentationml/2006/main">
+  <p:cSld>
+    <p:spTree>
+      <p:nvGrpSpPr>
+        <p:cNvPr id="1" name=""/>
+        <p:cNvGrpSpPr/>
+        <p:nvPr/>
+      </p:nvGrpSpPr>
+      <p:grpSpPr>
+        <a:xfrm>
+          <a:off x="0" y="0"/>
+          <a:ext cx="0" cy="0"/>
+          <a:chOff x="0" y="0"/>
+          <a:chExt cx="0" cy="0"/>
+        </a:xfrm>
+      </p:grpSpPr>
+      <p:sp>
+        <p:nvSpPr>
+          <p:cNvPr id="3" name="Content Placeholder 2">
+            <a:extLst>
+              <a:ext uri="{FF2B5EF4-FFF2-40B4-BE49-F238E27FC236}">
+                <a16:creationId xmlns:a16="http://schemas.microsoft.com/office/drawing/2014/main" id="{A4EB24F9-04F1-C843-9D71-56C5C024552B}"/>
+              </a:ext>
+            </a:extLst>
+          </p:cNvPr>
+          <p:cNvSpPr>
+            <a:spLocks noGrp="1"/>
+          </p:cNvSpPr>
+          <p:nvPr>
+            <p:ph idx="1"/>
+          </p:nvPr>
+        </p:nvSpPr>
+        <p:spPr/>
+        <p:txBody>
+          <a:bodyPr/>
+          <a:lstStyle/>
+          <a:p>
+            <a:pPr lvl="0" indent="0" marL="0">
+              <a:buNone/>
+            </a:pPr>
+            <a:r>
+              <a:rPr/>
+              <a:t>Andorsky, N. (2020). </a:t>
+            </a:r>
+            <a:r>
+              <a:rPr i="1"/>
+              <a:t>Decoding the why: How behavioral science is driving the next generation of product design</a:t>
+            </a:r>
+            <a:r>
+              <a:rPr/>
+              <a:t>.</a:t>
+            </a:r>
+          </a:p>
+          <a:p>
+            <a:pPr lvl="0" indent="0" marL="0">
+              <a:buNone/>
+            </a:pPr>
+            <a:r>
+              <a:rPr/>
+              <a:t>Datu, J. A. D., McInerney, D. M., Żemojtel-Piotrowska, M., Hitokoto, H., &amp; Datu, N. D. (2021). Is grittiness next to happiness? Examining the association of triarchic model of grit dimensions with well-being outcomes. </a:t>
+            </a:r>
+            <a:r>
+              <a:rPr i="1"/>
+              <a:t>Journal of Happiness Studies</a:t>
+            </a:r>
+            <a:r>
+              <a:rPr/>
+              <a:t>, </a:t>
+            </a:r>
+            <a:r>
+              <a:rPr i="1"/>
+              <a:t>22</a:t>
+            </a:r>
+            <a:r>
+              <a:rPr/>
+              <a:t>(2), 981–1009. </a:t>
+            </a:r>
+            <a:r>
+              <a:rPr>
+                <a:hlinkClick r:id="rId2"/>
+              </a:rPr>
+              <a:t>https://doi.org/10.1007/s10902-020-00260-6</a:t>
+            </a:r>
+          </a:p>
+          <a:p>
+            <a:pPr lvl="0" indent="0" marL="0">
+              <a:buNone/>
+            </a:pPr>
+            <a:r>
+              <a:rPr/>
+              <a:t>King, M. (2021). </a:t>
+            </a:r>
+            <a:r>
+              <a:rPr i="1"/>
+              <a:t>Social chemistry: Decoding the patterns of human connection</a:t>
+            </a:r>
+            <a:r>
+              <a:rPr/>
+              <a:t>. Dutton.</a:t>
+            </a:r>
+          </a:p>
+          <a:p>
+            <a:pPr lvl="0" indent="0" marL="0">
+              <a:buNone/>
+            </a:pPr>
+            <a:r>
+              <a:rPr/>
+              <a:t>Rice, L., Alquist, J. L., Penuliar, M., Donato, F. V., &amp; Price, M. M. (2021). Engaging students in a research methods writing lab online. </a:t>
+            </a:r>
+            <a:r>
+              <a:rPr i="1"/>
+              <a:t>Teaching of Psychology</a:t>
+            </a:r>
+            <a:r>
+              <a:rPr/>
+              <a:t>, </a:t>
+            </a:r>
+            <a:r>
+              <a:rPr i="1"/>
+              <a:t>48</a:t>
+            </a:r>
+            <a:r>
+              <a:rPr/>
+              <a:t>(1), 18–25. </a:t>
+            </a:r>
+            <a:r>
+              <a:rPr>
+                <a:hlinkClick r:id="rId3"/>
+              </a:rPr>
+              <a:t>https://doi.org/10.1177/0098628320959954</a:t>
+            </a:r>
+          </a:p>
+        </p:txBody>
+      </p:sp>
+    </p:spTree>
+  </p:cSld>
+</p:sld>
+</file>
+
+<file path=ppt/slides/slide27.xml><?xml version="1.0" encoding="utf-8"?>
+<p:sld xmlns:a="http://schemas.openxmlformats.org/drawingml/2006/main" xmlns:r="http://schemas.openxmlformats.org/officeDocument/2006/relationships" xmlns:p="http://schemas.openxmlformats.org/presentationml/2006/main">
+  <p:cSld>
+    <p:spTree>
+      <p:nvGrpSpPr>
+        <p:cNvPr id="1" name=""/>
+        <p:cNvGrpSpPr/>
+        <p:nvPr/>
+      </p:nvGrpSpPr>
+      <p:grpSpPr>
+        <a:xfrm>
+          <a:off x="0" y="0"/>
+          <a:ext cx="0" cy="0"/>
+          <a:chOff x="0" y="0"/>
+          <a:chExt cx="0" cy="0"/>
+        </a:xfrm>
+      </p:grpSpPr>
+      <p:sp>
+        <p:nvSpPr>
+          <p:cNvPr id="2" name="Title 1">
+            <a:extLst>
+              <a:ext uri="{FF2B5EF4-FFF2-40B4-BE49-F238E27FC236}">
+                <a16:creationId xmlns:a16="http://schemas.microsoft.com/office/drawing/2014/main" id="{DD9B8E45-0772-954C-8D4B-6E6808DFEDED}"/>
+              </a:ext>
+            </a:extLst>
+          </p:cNvPr>
+          <p:cNvSpPr>
+            <a:spLocks noGrp="1"/>
+          </p:cNvSpPr>
+          <p:nvPr>
+            <p:ph type="title"/>
+          </p:nvPr>
+        </p:nvSpPr>
+        <p:spPr>
+          <a:xfrm>
+            <a:off x="838200" y="365129"/>
+            <a:ext cx="10515600" cy="1325563"/>
+          </a:xfrm>
+          <a:prstGeom prst="rect">
+            <a:avLst/>
+          </a:prstGeom>
+        </p:spPr>
+        <p:txBody>
+          <a:bodyPr/>
+          <a:lstStyle/>
+          <a:p>
+            <a:pPr lvl="0" indent="0" marL="0">
+              <a:buNone/>
+            </a:pPr>
+            <a:r>
+              <a:rPr/>
+              <a:t>Notes</a:t>
+            </a:r>
+          </a:p>
+        </p:txBody>
+      </p:sp>
+      <p:sp>
+        <p:nvSpPr>
+          <p:cNvPr id="3" name="Content Placeholder 2">
+            <a:extLst>
+              <a:ext uri="{FF2B5EF4-FFF2-40B4-BE49-F238E27FC236}">
+                <a16:creationId xmlns:a16="http://schemas.microsoft.com/office/drawing/2014/main" id="{A4EB24F9-04F1-C843-9D71-56C5C024552B}"/>
+              </a:ext>
+            </a:extLst>
+          </p:cNvPr>
+          <p:cNvSpPr>
+            <a:spLocks noGrp="1"/>
+          </p:cNvSpPr>
+          <p:nvPr>
+            <p:ph idx="1"/>
+          </p:nvPr>
+        </p:nvSpPr>
+        <p:spPr/>
+        <p:txBody>
+          <a:bodyPr/>
+          <a:lstStyle/>
+          <a:p>
+            <a:pPr lvl="0" indent="0" marL="0">
+              <a:buNone/>
+            </a:pPr>
+            <a:r>
+              <a:rPr sz="1800"/>
+              <a:t>1. A footnote</a:t>
+            </a:r>
+          </a:p>
+        </p:txBody>
+      </p:sp>
+    </p:spTree>
+  </p:cSld>
+</p:sld>
+</file>
+
+<file path=ppt/slides/slide3.xml><?xml version="1.0" encoding="utf-8"?>
+<p:sld xmlns:a="http://schemas.openxmlformats.org/drawingml/2006/main" xmlns:r="http://schemas.openxmlformats.org/officeDocument/2006/relationships" xmlns:p="http://schemas.openxmlformats.org/presentationml/2006/main">
+  <p:cSld>
+    <p:spTree>
+      <p:nvGrpSpPr>
+        <p:cNvPr id="1" name=""/>
+        <p:cNvGrpSpPr/>
+        <p:nvPr/>
+      </p:nvGrpSpPr>
+      <p:grpSpPr>
+        <a:xfrm>
+          <a:off x="0" y="0"/>
+          <a:ext cx="0" cy="0"/>
+          <a:chOff x="0" y="0"/>
+          <a:chExt cx="0" cy="0"/>
+        </a:xfrm>
+      </p:grpSpPr>
+      <p:sp>
+        <p:nvSpPr>
+          <p:cNvPr id="2" name="Title 1">
+            <a:extLst>
+              <a:ext uri="{FF2B5EF4-FFF2-40B4-BE49-F238E27FC236}">
+                <a16:creationId xmlns:a16="http://schemas.microsoft.com/office/drawing/2014/main" id="{DD9B8E45-0772-954C-8D4B-6E6808DFEDED}"/>
+              </a:ext>
+            </a:extLst>
+          </p:cNvPr>
+          <p:cNvSpPr>
+            <a:spLocks noGrp="1"/>
+          </p:cNvSpPr>
+          <p:nvPr>
+            <p:ph type="title"/>
+          </p:nvPr>
+        </p:nvSpPr>
+        <p:spPr>
+          <a:xfrm>
+            <a:off x="838200" y="365129"/>
+            <a:ext cx="10515600" cy="1325563"/>
+          </a:xfrm>
+          <a:prstGeom prst="rect">
+            <a:avLst/>
+          </a:prstGeom>
+        </p:spPr>
+        <p:txBody>
+          <a:bodyPr/>
+          <a:lstStyle/>
+          <a:p>
+            <a:pPr lvl="0" indent="0" marL="0">
+              <a:buNone/>
+            </a:pPr>
+            <a:r>
+              <a:rPr/>
+              <a:t>Bullet List (no build)</a:t>
+            </a:r>
+          </a:p>
+        </p:txBody>
+      </p:sp>
+      <p:sp>
+        <p:nvSpPr>
+          <p:cNvPr id="3" name="Content Placeholder 2">
+            <a:extLst>
+              <a:ext uri="{FF2B5EF4-FFF2-40B4-BE49-F238E27FC236}">
+                <a16:creationId xmlns:a16="http://schemas.microsoft.com/office/drawing/2014/main" id="{A4EB24F9-04F1-C843-9D71-56C5C024552B}"/>
+              </a:ext>
+            </a:extLst>
+          </p:cNvPr>
+          <p:cNvSpPr>
+            <a:spLocks noGrp="1"/>
+          </p:cNvSpPr>
+          <p:nvPr>
+            <p:ph idx="1"/>
+          </p:nvPr>
+        </p:nvSpPr>
+        <p:spPr/>
+        <p:txBody>
+          <a:bodyPr/>
+          <a:lstStyle/>
+          <a:p>
+            <a:pPr lvl="0"/>
+            <a:r>
+              <a:rPr/>
+              <a:t>Point 1</a:t>
+            </a:r>
+          </a:p>
+          <a:p>
+            <a:pPr lvl="0"/>
+            <a:r>
+              <a:rPr/>
+              <a:t>Point 2</a:t>
+            </a:r>
+          </a:p>
+          <a:p>
+            <a:pPr lvl="0"/>
+            <a:r>
+              <a:rPr/>
+              <a:t>Point 3</a:t>
+            </a:r>
+          </a:p>
+        </p:txBody>
+      </p:sp>
+    </p:spTree>
+  </p:cSld>
+</p:sld>
+</file>
+
+<file path=ppt/slides/slide4.xml><?xml version="1.0" encoding="utf-8"?>
+<p:sld xmlns:a="http://schemas.openxmlformats.org/drawingml/2006/main" xmlns:r="http://schemas.openxmlformats.org/officeDocument/2006/relationships" xmlns:p="http://schemas.openxmlformats.org/presentationml/2006/main">
+  <p:cSld>
+    <p:spTree>
+      <p:nvGrpSpPr>
+        <p:cNvPr id="1" name=""/>
+        <p:cNvGrpSpPr/>
+        <p:nvPr/>
+      </p:nvGrpSpPr>
+      <p:grpSpPr>
+        <a:xfrm>
+          <a:off x="0" y="0"/>
+          <a:ext cx="0" cy="0"/>
+          <a:chOff x="0" y="0"/>
+          <a:chExt cx="0" cy="0"/>
+        </a:xfrm>
+      </p:grpSpPr>
+      <p:sp>
+        <p:nvSpPr>
+          <p:cNvPr id="2" name="Title 1">
+            <a:extLst>
+              <a:ext uri="{FF2B5EF4-FFF2-40B4-BE49-F238E27FC236}">
+                <a16:creationId xmlns:a16="http://schemas.microsoft.com/office/drawing/2014/main" id="{DD9B8E45-0772-954C-8D4B-6E6808DFEDED}"/>
+              </a:ext>
+            </a:extLst>
+          </p:cNvPr>
+          <p:cNvSpPr>
+            <a:spLocks noGrp="1"/>
+          </p:cNvSpPr>
+          <p:nvPr>
+            <p:ph type="title"/>
+          </p:nvPr>
+        </p:nvSpPr>
+        <p:spPr>
+          <a:xfrm>
+            <a:off x="838200" y="365129"/>
+            <a:ext cx="10515600" cy="1325563"/>
+          </a:xfrm>
+          <a:prstGeom prst="rect">
+            <a:avLst/>
+          </a:prstGeom>
+        </p:spPr>
+        <p:txBody>
+          <a:bodyPr/>
+          <a:lstStyle/>
+          <a:p>
+            <a:pPr lvl="0" indent="0" marL="0">
+              <a:buNone/>
+            </a:pPr>
+            <a:r>
+              <a:rPr/>
+              <a:t>Bullet List (with build)</a:t>
+            </a:r>
+          </a:p>
+        </p:txBody>
+      </p:sp>
+      <p:sp>
+        <p:nvSpPr>
+          <p:cNvPr id="3" name="Content Placeholder 2">
+            <a:extLst>
+              <a:ext uri="{FF2B5EF4-FFF2-40B4-BE49-F238E27FC236}">
+                <a16:creationId xmlns:a16="http://schemas.microsoft.com/office/drawing/2014/main" id="{A4EB24F9-04F1-C843-9D71-56C5C024552B}"/>
+              </a:ext>
+            </a:extLst>
+          </p:cNvPr>
+          <p:cNvSpPr>
+            <a:spLocks noGrp="1"/>
+          </p:cNvSpPr>
+          <p:nvPr>
+            <p:ph idx="1"/>
+          </p:nvPr>
+        </p:nvSpPr>
+        <p:spPr/>
+        <p:txBody>
+          <a:bodyPr/>
+          <a:lstStyle/>
+          <a:p>
+            <a:pPr lvl="0"/>
+            <a:r>
+              <a:rPr/>
+              <a:t>List element A</a:t>
+            </a:r>
+          </a:p>
+          <a:p>
+            <a:pPr lvl="0"/>
+            <a:r>
+              <a:rPr/>
+              <a:t>List element B</a:t>
+            </a:r>
+          </a:p>
+          <a:p>
+            <a:pPr lvl="0"/>
+            <a:r>
+              <a:rPr/>
+              <a:t>List element C</a:t>
             </a:r>
           </a:p>
         </p:txBody>
@@ -5576,6 +7521,55 @@
                       </p:childTnLst>
                     </p:cTn>
                   </p:par>
+                  <p:par>
+                    <p:cTn id="11" fill="hold">
+                      <p:stCondLst>
+                        <p:cond delay="indefinite"/>
+                      </p:stCondLst>
+                      <p:childTnLst>
+                        <p:par>
+                          <p:cTn id="12" fill="hold">
+                            <p:stCondLst>
+                              <p:cond delay="0"/>
+                            </p:stCondLst>
+                            <p:childTnLst>
+                              <p:par>
+                                <p:cTn id="13" presetID="1" presetClass="entr" presetSubtype="0" fill="hold" grpId="0" nodeType="clickEffect">
+                                  <p:stCondLst>
+                                    <p:cond delay="0"/>
+                                  </p:stCondLst>
+                                  <p:childTnLst>
+                                    <p:set>
+                                      <p:cBhvr>
+                                        <p:cTn id="14" dur="1" fill="hold">
+                                          <p:stCondLst>
+                                            <p:cond delay="0"/>
+                                          </p:stCondLst>
+                                        </p:cTn>
+                                        <p:tgtEl>
+                                          <p:spTgt spid="3">
+                                            <p:txEl>
+                                              <p:pRg st="2" end="2"/>
+                                            </p:txEl>
+                                          </p:spTgt>
+                                        </p:tgtEl>
+                                        <p:attrNameLst>
+                                          <p:attrName>style.visibility</p:attrName>
+                                        </p:attrNameLst>
+                                      </p:cBhvr>
+                                      <p:to>
+                                        <p:strVal val="visible"/>
+                                      </p:to>
+                                    </p:set>
+                                  </p:childTnLst>
+                                </p:cTn>
+                              </p:par>
+                            </p:childTnLst>
+                          </p:cTn>
+                        </p:par>
+                      </p:childTnLst>
+                    </p:cTn>
+                  </p:par>
                 </p:childTnLst>
               </p:cTn>
               <p:prevCondLst>
@@ -5604,1045 +7598,6 @@
 </p:sld>
 </file>
 
-<file path=ppt/slides/slide11.xml><?xml version="1.0" encoding="utf-8"?>
-<p:sld xmlns:a="http://schemas.openxmlformats.org/drawingml/2006/main" xmlns:r="http://schemas.openxmlformats.org/officeDocument/2006/relationships" xmlns:p="http://schemas.openxmlformats.org/presentationml/2006/main">
-  <p:cSld>
-    <p:spTree>
-      <p:nvGrpSpPr>
-        <p:cNvPr id="1" name=""/>
-        <p:cNvGrpSpPr/>
-        <p:nvPr/>
-      </p:nvGrpSpPr>
-      <p:grpSpPr>
-        <a:xfrm>
-          <a:off x="0" y="0"/>
-          <a:ext cx="0" cy="0"/>
-          <a:chOff x="0" y="0"/>
-          <a:chExt cx="0" cy="0"/>
-        </a:xfrm>
-      </p:grpSpPr>
-      <p:sp>
-        <p:nvSpPr>
-          <p:cNvPr id="2" name="Title 1">
-            <a:extLst>
-              <a:ext uri="{FF2B5EF4-FFF2-40B4-BE49-F238E27FC236}">
-                <a16:creationId xmlns:a16="http://schemas.microsoft.com/office/drawing/2014/main" id="{DD9B8E45-0772-954C-8D4B-6E6808DFEDED}"/>
-              </a:ext>
-            </a:extLst>
-          </p:cNvPr>
-          <p:cNvSpPr>
-            <a:spLocks noGrp="1"/>
-          </p:cNvSpPr>
-          <p:nvPr>
-            <p:ph type="title"/>
-          </p:nvPr>
-        </p:nvSpPr>
-        <p:spPr>
-          <a:xfrm>
-            <a:off x="838200" y="365129"/>
-            <a:ext cx="10515600" cy="1325563"/>
-          </a:xfrm>
-          <a:prstGeom prst="rect">
-            <a:avLst/>
-          </a:prstGeom>
-        </p:spPr>
-        <p:txBody>
-          <a:bodyPr/>
-          <a:lstStyle/>
-          <a:p>
-            <a:pPr lvl="0" indent="0" marL="0">
-              <a:buNone/>
-            </a:pPr>
-            <a:r>
-              <a:rPr/>
-              <a:t>Slide Title</a:t>
-            </a:r>
-          </a:p>
-        </p:txBody>
-      </p:sp>
-      <p:sp>
-        <p:nvSpPr>
-          <p:cNvPr id="3" name="Content Placeholder 2">
-            <a:extLst>
-              <a:ext uri="{FF2B5EF4-FFF2-40B4-BE49-F238E27FC236}">
-                <a16:creationId xmlns:a16="http://schemas.microsoft.com/office/drawing/2014/main" id="{A4EB24F9-04F1-C843-9D71-56C5C024552B}"/>
-              </a:ext>
-            </a:extLst>
-          </p:cNvPr>
-          <p:cNvSpPr>
-            <a:spLocks noGrp="1"/>
-          </p:cNvSpPr>
-          <p:nvPr>
-            <p:ph idx="1"/>
-          </p:nvPr>
-        </p:nvSpPr>
-        <p:spPr/>
-        <p:txBody>
-          <a:bodyPr/>
-          <a:lstStyle/>
-          <a:p>
-            <a:pPr lvl="0" indent="0" marL="0">
-              <a:buNone/>
-            </a:pPr>
-            <a:r>
-              <a:rPr/>
-              <a:t>Txt - bullet - bullet 2</a:t>
-            </a:r>
-          </a:p>
-        </p:txBody>
-      </p:sp>
-    </p:spTree>
-  </p:cSld>
-</p:sld>
-</file>
-
-<file path=ppt/slides/slide12.xml><?xml version="1.0" encoding="utf-8"?>
-<p:sld xmlns:a="http://schemas.openxmlformats.org/drawingml/2006/main" xmlns:r="http://schemas.openxmlformats.org/officeDocument/2006/relationships" xmlns:p="http://schemas.openxmlformats.org/presentationml/2006/main">
-  <p:cSld>
-    <p:spTree>
-      <p:nvGrpSpPr>
-        <p:cNvPr id="1" name=""/>
-        <p:cNvGrpSpPr/>
-        <p:nvPr/>
-      </p:nvGrpSpPr>
-      <p:grpSpPr>
-        <a:xfrm>
-          <a:off x="0" y="0"/>
-          <a:ext cx="0" cy="0"/>
-          <a:chOff x="0" y="0"/>
-          <a:chExt cx="0" cy="0"/>
-        </a:xfrm>
-      </p:grpSpPr>
-      <p:sp>
-        <p:nvSpPr>
-          <p:cNvPr id="2" name="Title 1">
-            <a:extLst>
-              <a:ext uri="{FF2B5EF4-FFF2-40B4-BE49-F238E27FC236}">
-                <a16:creationId xmlns:a16="http://schemas.microsoft.com/office/drawing/2014/main" id="{DD9B8E45-0772-954C-8D4B-6E6808DFEDED}"/>
-              </a:ext>
-            </a:extLst>
-          </p:cNvPr>
-          <p:cNvSpPr>
-            <a:spLocks noGrp="1"/>
-          </p:cNvSpPr>
-          <p:nvPr>
-            <p:ph type="title"/>
-          </p:nvPr>
-        </p:nvSpPr>
-        <p:spPr>
-          <a:xfrm>
-            <a:off x="838200" y="365129"/>
-            <a:ext cx="10515600" cy="1325563"/>
-          </a:xfrm>
-          <a:prstGeom prst="rect">
-            <a:avLst/>
-          </a:prstGeom>
-        </p:spPr>
-        <p:txBody>
-          <a:bodyPr/>
-          <a:lstStyle/>
-          <a:p>
-            <a:pPr lvl="0" indent="0" marL="0">
-              <a:buNone/>
-            </a:pPr>
-            <a:r>
-              <a:rPr/>
-              <a:t>Emoji</a:t>
-            </a:r>
-          </a:p>
-        </p:txBody>
-      </p:sp>
-      <p:sp>
-        <p:nvSpPr>
-          <p:cNvPr id="3" name="Content Placeholder 2">
-            <a:extLst>
-              <a:ext uri="{FF2B5EF4-FFF2-40B4-BE49-F238E27FC236}">
-                <a16:creationId xmlns:a16="http://schemas.microsoft.com/office/drawing/2014/main" id="{A4EB24F9-04F1-C843-9D71-56C5C024552B}"/>
-              </a:ext>
-            </a:extLst>
-          </p:cNvPr>
-          <p:cNvSpPr>
-            <a:spLocks noGrp="1"/>
-          </p:cNvSpPr>
-          <p:nvPr>
-            <p:ph idx="1"/>
-          </p:nvPr>
-        </p:nvSpPr>
-        <p:spPr/>
-        <p:txBody>
-          <a:bodyPr/>
-          <a:lstStyle/>
-          <a:p>
-            <a:pPr lvl="0" indent="0" marL="0">
-              <a:buNone/>
-            </a:pPr>
-            <a:r>
-              <a:rPr/>
-              <a:t>🤩 Totes work, except in PDF output, boo.</a:t>
-            </a:r>
-          </a:p>
-        </p:txBody>
-      </p:sp>
-    </p:spTree>
-  </p:cSld>
-</p:sld>
-</file>
-
-<file path=ppt/slides/slide13.xml><?xml version="1.0" encoding="utf-8"?>
-<p:sld xmlns:a="http://schemas.openxmlformats.org/drawingml/2006/main" xmlns:r="http://schemas.openxmlformats.org/officeDocument/2006/relationships" xmlns:p="http://schemas.openxmlformats.org/presentationml/2006/main">
-  <p:cSld>
-    <p:spTree>
-      <p:nvGrpSpPr>
-        <p:cNvPr id="1" name=""/>
-        <p:cNvGrpSpPr/>
-        <p:nvPr/>
-      </p:nvGrpSpPr>
-      <p:grpSpPr>
-        <a:xfrm>
-          <a:off x="0" y="0"/>
-          <a:ext cx="0" cy="0"/>
-          <a:chOff x="0" y="0"/>
-          <a:chExt cx="0" cy="0"/>
-        </a:xfrm>
-      </p:grpSpPr>
-      <p:sp>
-        <p:nvSpPr>
-          <p:cNvPr id="2" name="Title 1">
-            <a:extLst>
-              <a:ext uri="{FF2B5EF4-FFF2-40B4-BE49-F238E27FC236}">
-                <a16:creationId xmlns:a16="http://schemas.microsoft.com/office/drawing/2014/main" id="{DD9B8E45-0772-954C-8D4B-6E6808DFEDED}"/>
-              </a:ext>
-            </a:extLst>
-          </p:cNvPr>
-          <p:cNvSpPr>
-            <a:spLocks noGrp="1"/>
-          </p:cNvSpPr>
-          <p:nvPr>
-            <p:ph type="title"/>
-          </p:nvPr>
-        </p:nvSpPr>
-        <p:spPr>
-          <a:xfrm>
-            <a:off x="838200" y="365129"/>
-            <a:ext cx="10515600" cy="1325563"/>
-          </a:xfrm>
-          <a:prstGeom prst="rect">
-            <a:avLst/>
-          </a:prstGeom>
-        </p:spPr>
-        <p:txBody>
-          <a:bodyPr/>
-          <a:lstStyle/>
-          <a:p>
-            <a:pPr lvl="0" indent="0" marL="0">
-              <a:buNone/>
-            </a:pPr>
-            <a:r>
-              <a:rPr/>
-              <a:t>References</a:t>
-            </a:r>
-          </a:p>
-        </p:txBody>
-      </p:sp>
-      <p:sp>
-        <p:nvSpPr>
-          <p:cNvPr id="3" name="Content Placeholder 2">
-            <a:extLst>
-              <a:ext uri="{FF2B5EF4-FFF2-40B4-BE49-F238E27FC236}">
-                <a16:creationId xmlns:a16="http://schemas.microsoft.com/office/drawing/2014/main" id="{A4EB24F9-04F1-C843-9D71-56C5C024552B}"/>
-              </a:ext>
-            </a:extLst>
-          </p:cNvPr>
-          <p:cNvSpPr>
-            <a:spLocks noGrp="1"/>
-          </p:cNvSpPr>
-          <p:nvPr>
-            <p:ph idx="1"/>
-          </p:nvPr>
-        </p:nvSpPr>
-        <p:spPr/>
-        <p:txBody>
-          <a:bodyPr/>
-          <a:lstStyle/>
-          <a:p>
-            <a:pPr lvl="0" indent="0" marL="0">
-              <a:buNone/>
-            </a:pPr>
-            <a:r>
-              <a:rPr/>
-              <a:t>(Andorsky, 2020; Datu et al., 2021; King, 2021; Rice et al., 2021)</a:t>
-            </a:r>
-          </a:p>
-        </p:txBody>
-      </p:sp>
-    </p:spTree>
-  </p:cSld>
-</p:sld>
-</file>
-
-<file path=ppt/slides/slide14.xml><?xml version="1.0" encoding="utf-8"?>
-<p:sld xmlns:a="http://schemas.openxmlformats.org/drawingml/2006/main" xmlns:r="http://schemas.openxmlformats.org/officeDocument/2006/relationships" xmlns:p="http://schemas.openxmlformats.org/presentationml/2006/main">
-  <p:cSld>
-    <p:spTree>
-      <p:nvGrpSpPr>
-        <p:cNvPr id="1" name=""/>
-        <p:cNvGrpSpPr/>
-        <p:nvPr/>
-      </p:nvGrpSpPr>
-      <p:grpSpPr>
-        <a:xfrm>
-          <a:off x="0" y="0"/>
-          <a:ext cx="0" cy="0"/>
-          <a:chOff x="0" y="0"/>
-          <a:chExt cx="0" cy="0"/>
-        </a:xfrm>
-      </p:grpSpPr>
-      <p:sp>
-        <p:nvSpPr>
-          <p:cNvPr id="2" name="Title 1">
-            <a:extLst>
-              <a:ext uri="{FF2B5EF4-FFF2-40B4-BE49-F238E27FC236}">
-                <a16:creationId xmlns:a16="http://schemas.microsoft.com/office/drawing/2014/main" id="{DD9B8E45-0772-954C-8D4B-6E6808DFEDED}"/>
-              </a:ext>
-            </a:extLst>
-          </p:cNvPr>
-          <p:cNvSpPr>
-            <a:spLocks noGrp="1"/>
-          </p:cNvSpPr>
-          <p:nvPr>
-            <p:ph type="title"/>
-          </p:nvPr>
-        </p:nvSpPr>
-        <p:spPr>
-          <a:xfrm>
-            <a:off x="838200" y="365129"/>
-            <a:ext cx="10515600" cy="1325563"/>
-          </a:xfrm>
-          <a:prstGeom prst="rect">
-            <a:avLst/>
-          </a:prstGeom>
-        </p:spPr>
-        <p:txBody>
-          <a:bodyPr/>
-          <a:lstStyle/>
-          <a:p>
-            <a:pPr lvl="0" indent="0" marL="0">
-              <a:buNone/>
-            </a:pPr>
-            <a:r>
-              <a:rPr/>
-              <a:t>Speaker notes</a:t>
-            </a:r>
-          </a:p>
-        </p:txBody>
-      </p:sp>
-      <p:sp>
-        <p:nvSpPr>
-          <p:cNvPr id="3" name="Content Placeholder 2">
-            <a:extLst>
-              <a:ext uri="{FF2B5EF4-FFF2-40B4-BE49-F238E27FC236}">
-                <a16:creationId xmlns:a16="http://schemas.microsoft.com/office/drawing/2014/main" id="{A4EB24F9-04F1-C843-9D71-56C5C024552B}"/>
-              </a:ext>
-            </a:extLst>
-          </p:cNvPr>
-          <p:cNvSpPr>
-            <a:spLocks noGrp="1"/>
-          </p:cNvSpPr>
-          <p:nvPr>
-            <p:ph idx="1"/>
-          </p:nvPr>
-        </p:nvSpPr>
-        <p:spPr/>
-        <p:txBody>
-          <a:bodyPr/>
-          <a:lstStyle/>
-          <a:p>
-            <a:pPr lvl="0" indent="0" marL="0">
-              <a:buNone/>
-            </a:pPr>
-            <a:r>
-              <a:rPr/>
-              <a:t>Include speaker notes in another fenced code block.</a:t>
-            </a:r>
-          </a:p>
-        </p:txBody>
-      </p:sp>
-    </p:spTree>
-  </p:cSld>
-</p:sld>
-</file>
-
-<file path=ppt/slides/slide15.xml><?xml version="1.0" encoding="utf-8"?>
-<p:sld xmlns:a="http://schemas.openxmlformats.org/drawingml/2006/main" xmlns:r="http://schemas.openxmlformats.org/officeDocument/2006/relationships" xmlns:p="http://schemas.openxmlformats.org/presentationml/2006/main">
-  <p:cSld>
-    <p:spTree>
-      <p:nvGrpSpPr>
-        <p:cNvPr id="1" name=""/>
-        <p:cNvGrpSpPr/>
-        <p:nvPr/>
-      </p:nvGrpSpPr>
-      <p:grpSpPr>
-        <a:xfrm>
-          <a:off x="0" y="0"/>
-          <a:ext cx="0" cy="0"/>
-          <a:chOff x="0" y="0"/>
-          <a:chExt cx="0" cy="0"/>
-        </a:xfrm>
-      </p:grpSpPr>
-      <p:sp>
-        <p:nvSpPr>
-          <p:cNvPr id="2" name="Title 1">
-            <a:extLst>
-              <a:ext uri="{FF2B5EF4-FFF2-40B4-BE49-F238E27FC236}">
-                <a16:creationId xmlns:a16="http://schemas.microsoft.com/office/drawing/2014/main" id="{2ECFDBC1-527D-3041-984A-EF5E7E9B7495}"/>
-              </a:ext>
-            </a:extLst>
-          </p:cNvPr>
-          <p:cNvSpPr>
-            <a:spLocks noGrp="1"/>
-          </p:cNvSpPr>
-          <p:nvPr>
-            <p:ph type="title"/>
-          </p:nvPr>
-        </p:nvSpPr>
-        <p:spPr>
-          <a:xfrm>
-            <a:off x="838200" y="365129"/>
-            <a:ext cx="10515600" cy="1325563"/>
-          </a:xfrm>
-          <a:prstGeom prst="rect">
-            <a:avLst/>
-          </a:prstGeom>
-        </p:spPr>
-        <p:txBody>
-          <a:bodyPr/>
-          <a:lstStyle/>
-          <a:p>
-            <a:pPr lvl="0" indent="0" marL="0">
-              <a:buNone/>
-            </a:pPr>
-            <a:r>
-              <a:rPr/>
-              <a:t>Columns</a:t>
-            </a:r>
-          </a:p>
-        </p:txBody>
-      </p:sp>
-      <p:sp>
-        <p:nvSpPr>
-          <p:cNvPr id="3" name="Content Placeholder 2">
-            <a:extLst>
-              <a:ext uri="{FF2B5EF4-FFF2-40B4-BE49-F238E27FC236}">
-                <a16:creationId xmlns:a16="http://schemas.microsoft.com/office/drawing/2014/main" id="{63FA7BF1-44B1-744C-AB68-4BB0A6A5977E}"/>
-              </a:ext>
-            </a:extLst>
-          </p:cNvPr>
-          <p:cNvSpPr>
-            <a:spLocks noGrp="1"/>
-          </p:cNvSpPr>
-          <p:nvPr>
-            <p:ph idx="1" sz="half"/>
-          </p:nvPr>
-        </p:nvSpPr>
-        <p:spPr/>
-        <p:txBody>
-          <a:bodyPr/>
-          <a:lstStyle/>
-          <a:p>
-            <a:pPr lvl="0" indent="0" marL="0">
-              <a:buNone/>
-            </a:pPr>
-            <a:r>
-              <a:rPr/>
-              <a:t>Put your contents in column code blocks</a:t>
-            </a:r>
-          </a:p>
-        </p:txBody>
-      </p:sp>
-      <p:sp>
-        <p:nvSpPr>
-          <p:cNvPr id="4" name="Content Placeholder 3">
-            <a:extLst>
-              <a:ext uri="{FF2B5EF4-FFF2-40B4-BE49-F238E27FC236}">
-                <a16:creationId xmlns:a16="http://schemas.microsoft.com/office/drawing/2014/main" id="{3B974A49-6A1E-2F48-B419-02B0A17B9692}"/>
-              </a:ext>
-            </a:extLst>
-          </p:cNvPr>
-          <p:cNvSpPr>
-            <a:spLocks noGrp="1"/>
-          </p:cNvSpPr>
-          <p:nvPr>
-            <p:ph idx="2" sz="half"/>
-          </p:nvPr>
-        </p:nvSpPr>
-        <p:spPr/>
-        <p:txBody>
-          <a:bodyPr/>
-          <a:lstStyle/>
-          <a:p>
-            <a:pPr lvl="0" indent="0" marL="0">
-              <a:buNone/>
-            </a:pPr>
-            <a:r>
-              <a:rPr/>
-              <a:t>To make them show up in two columns</a:t>
-            </a:r>
-          </a:p>
-        </p:txBody>
-      </p:sp>
-    </p:spTree>
-  </p:cSld>
-</p:sld>
-</file>
-
-<file path=ppt/slides/slide16.xml><?xml version="1.0" encoding="utf-8"?>
-<p:sld xmlns:a="http://schemas.openxmlformats.org/drawingml/2006/main" xmlns:r="http://schemas.openxmlformats.org/officeDocument/2006/relationships" xmlns:p="http://schemas.openxmlformats.org/presentationml/2006/main">
-  <p:cSld>
-    <p:spTree>
-      <p:nvGrpSpPr>
-        <p:cNvPr id="1" name=""/>
-        <p:cNvGrpSpPr/>
-        <p:nvPr/>
-      </p:nvGrpSpPr>
-      <p:grpSpPr>
-        <a:xfrm>
-          <a:off x="0" y="0"/>
-          <a:ext cx="0" cy="0"/>
-          <a:chOff x="0" y="0"/>
-          <a:chExt cx="0" cy="0"/>
-        </a:xfrm>
-      </p:grpSpPr>
-      <p:sp>
-        <p:nvSpPr>
-          <p:cNvPr id="2" name="Title 1">
-            <a:extLst>
-              <a:ext uri="{FF2B5EF4-FFF2-40B4-BE49-F238E27FC236}">
-                <a16:creationId xmlns:a16="http://schemas.microsoft.com/office/drawing/2014/main" id="{FF6A6CB2-D1B6-B94A-84C1-83C65423C650}"/>
-              </a:ext>
-            </a:extLst>
-          </p:cNvPr>
-          <p:cNvSpPr>
-            <a:spLocks noGrp="1"/>
-          </p:cNvSpPr>
-          <p:nvPr>
-            <p:ph type="title"/>
-          </p:nvPr>
-        </p:nvSpPr>
-        <p:spPr>
-          <a:xfrm>
-            <a:off x="831851" y="1709742"/>
-            <a:ext cx="10515600" cy="2852737"/>
-          </a:xfrm>
-          <a:prstGeom prst="rect">
-            <a:avLst/>
-          </a:prstGeom>
-        </p:spPr>
-        <p:txBody>
-          <a:bodyPr/>
-          <a:lstStyle/>
-          <a:p>
-            <a:pPr lvl="0" indent="0" marL="0">
-              <a:buNone/>
-            </a:pPr>
-            <a:r>
-              <a:rPr/>
-              <a:t>New Heading 1 2007</a:t>
-            </a:r>
-          </a:p>
-        </p:txBody>
-      </p:sp>
-    </p:spTree>
-  </p:cSld>
-</p:sld>
-</file>
-
-<file path=ppt/slides/slide17.xml><?xml version="1.0" encoding="utf-8"?>
-<p:sld xmlns:a="http://schemas.openxmlformats.org/drawingml/2006/main" xmlns:r="http://schemas.openxmlformats.org/officeDocument/2006/relationships" xmlns:p="http://schemas.openxmlformats.org/presentationml/2006/main">
-  <p:cSld>
-    <p:spTree>
-      <p:nvGrpSpPr>
-        <p:cNvPr id="1" name=""/>
-        <p:cNvGrpSpPr/>
-        <p:nvPr/>
-      </p:nvGrpSpPr>
-      <p:grpSpPr>
-        <a:xfrm>
-          <a:off x="0" y="0"/>
-          <a:ext cx="0" cy="0"/>
-          <a:chOff x="0" y="0"/>
-          <a:chExt cx="0" cy="0"/>
-        </a:xfrm>
-      </p:grpSpPr>
-      <p:sp>
-        <p:nvSpPr>
-          <p:cNvPr id="3" name="Content Placeholder 2">
-            <a:extLst>
-              <a:ext uri="{FF2B5EF4-FFF2-40B4-BE49-F238E27FC236}">
-                <a16:creationId xmlns:a16="http://schemas.microsoft.com/office/drawing/2014/main" id="{A4EB24F9-04F1-C843-9D71-56C5C024552B}"/>
-              </a:ext>
-            </a:extLst>
-          </p:cNvPr>
-          <p:cNvSpPr>
-            <a:spLocks noGrp="1"/>
-          </p:cNvSpPr>
-          <p:nvPr>
-            <p:ph idx="1"/>
-          </p:nvPr>
-        </p:nvSpPr>
-        <p:spPr/>
-        <p:txBody>
-          <a:bodyPr/>
-          <a:lstStyle/>
-          <a:p>
-            <a:pPr lvl="0" indent="0" marL="0">
-              <a:buNone/>
-            </a:pPr>
-            <a:r>
-              <a:rPr/>
-              <a:t>Fade in</a:t>
-            </a:r>
-          </a:p>
-          <a:p>
-            <a:pPr lvl="0" indent="0" marL="0">
-              <a:buNone/>
-            </a:pPr>
-            <a:r>
-              <a:rPr/>
-              <a:t>Highlight red</a:t>
-            </a:r>
-          </a:p>
-          <a:p>
-            <a:pPr lvl="0" indent="0" marL="0">
-              <a:buNone/>
-            </a:pPr>
-            <a:r>
-              <a:rPr/>
-              <a:t>Fade in, then out</a:t>
-            </a:r>
-          </a:p>
-          <a:p>
-            <a:pPr lvl="0" indent="0" marL="0">
-              <a:buNone/>
-            </a:pPr>
-            <a:r>
-              <a:rPr/>
-              <a:t>Slide up while fading in</a:t>
-            </a:r>
-          </a:p>
-        </p:txBody>
-      </p:sp>
-    </p:spTree>
-  </p:cSld>
-</p:sld>
-</file>
-
-<file path=ppt/slides/slide18.xml><?xml version="1.0" encoding="utf-8"?>
-<p:sld xmlns:a="http://schemas.openxmlformats.org/drawingml/2006/main" xmlns:r="http://schemas.openxmlformats.org/officeDocument/2006/relationships" xmlns:p="http://schemas.openxmlformats.org/presentationml/2006/main">
-  <p:cSld>
-    <p:spTree>
-      <p:nvGrpSpPr>
-        <p:cNvPr id="1" name=""/>
-        <p:cNvGrpSpPr/>
-        <p:nvPr/>
-      </p:nvGrpSpPr>
-      <p:grpSpPr>
-        <a:xfrm>
-          <a:off x="0" y="0"/>
-          <a:ext cx="0" cy="0"/>
-          <a:chOff x="0" y="0"/>
-          <a:chExt cx="0" cy="0"/>
-        </a:xfrm>
-      </p:grpSpPr>
-      <p:sp>
-        <p:nvSpPr>
-          <p:cNvPr id="2" name="Title 1">
-            <a:extLst>
-              <a:ext uri="{FF2B5EF4-FFF2-40B4-BE49-F238E27FC236}">
-                <a16:creationId xmlns:a16="http://schemas.microsoft.com/office/drawing/2014/main" id="{FF6A6CB2-D1B6-B94A-84C1-83C65423C650}"/>
-              </a:ext>
-            </a:extLst>
-          </p:cNvPr>
-          <p:cNvSpPr>
-            <a:spLocks noGrp="1"/>
-          </p:cNvSpPr>
-          <p:nvPr>
-            <p:ph type="title"/>
-          </p:nvPr>
-        </p:nvSpPr>
-        <p:spPr>
-          <a:xfrm>
-            <a:off x="831851" y="1709742"/>
-            <a:ext cx="10515600" cy="2852737"/>
-          </a:xfrm>
-          <a:prstGeom prst="rect">
-            <a:avLst/>
-          </a:prstGeom>
-        </p:spPr>
-        <p:txBody>
-          <a:bodyPr/>
-          <a:lstStyle/>
-          <a:p>
-            <a:pPr lvl="0" indent="0" marL="0">
-              <a:buNone/>
-            </a:pPr>
-            <a:r>
-              <a:rPr/>
-              <a:t>References</a:t>
-            </a:r>
-          </a:p>
-        </p:txBody>
-      </p:sp>
-    </p:spTree>
-  </p:cSld>
-</p:sld>
-</file>
-
-<file path=ppt/slides/slide19.xml><?xml version="1.0" encoding="utf-8"?>
-<p:sld xmlns:a="http://schemas.openxmlformats.org/drawingml/2006/main" xmlns:r="http://schemas.openxmlformats.org/officeDocument/2006/relationships" xmlns:p="http://schemas.openxmlformats.org/presentationml/2006/main">
-  <p:cSld>
-    <p:spTree>
-      <p:nvGrpSpPr>
-        <p:cNvPr id="1" name=""/>
-        <p:cNvGrpSpPr/>
-        <p:nvPr/>
-      </p:nvGrpSpPr>
-      <p:grpSpPr>
-        <a:xfrm>
-          <a:off x="0" y="0"/>
-          <a:ext cx="0" cy="0"/>
-          <a:chOff x="0" y="0"/>
-          <a:chExt cx="0" cy="0"/>
-        </a:xfrm>
-      </p:grpSpPr>
-      <p:sp>
-        <p:nvSpPr>
-          <p:cNvPr id="3" name="Content Placeholder 2">
-            <a:extLst>
-              <a:ext uri="{FF2B5EF4-FFF2-40B4-BE49-F238E27FC236}">
-                <a16:creationId xmlns:a16="http://schemas.microsoft.com/office/drawing/2014/main" id="{A4EB24F9-04F1-C843-9D71-56C5C024552B}"/>
-              </a:ext>
-            </a:extLst>
-          </p:cNvPr>
-          <p:cNvSpPr>
-            <a:spLocks noGrp="1"/>
-          </p:cNvSpPr>
-          <p:nvPr>
-            <p:ph idx="1"/>
-          </p:nvPr>
-        </p:nvSpPr>
-        <p:spPr/>
-        <p:txBody>
-          <a:bodyPr/>
-          <a:lstStyle/>
-          <a:p>
-            <a:pPr lvl="0" indent="0" marL="0">
-              <a:buNone/>
-            </a:pPr>
-            <a:r>
-              <a:rPr/>
-              <a:t>Andorsky, N. (2020). </a:t>
-            </a:r>
-            <a:r>
-              <a:rPr i="1"/>
-              <a:t>Decoding the why: How behavioral science is driving the next generation of product design</a:t>
-            </a:r>
-            <a:r>
-              <a:rPr/>
-              <a:t>.</a:t>
-            </a:r>
-          </a:p>
-          <a:p>
-            <a:pPr lvl="0" indent="0" marL="0">
-              <a:buNone/>
-            </a:pPr>
-            <a:r>
-              <a:rPr/>
-              <a:t>Datu, J. A. D., McInerney, D. M., Żemojtel-Piotrowska, M., Hitokoto, H., &amp; Datu, N. D. (2021). Is grittiness next to happiness? Examining the association of triarchic model of grit dimensions with well-being outcomes. </a:t>
-            </a:r>
-            <a:r>
-              <a:rPr i="1"/>
-              <a:t>Journal of Happiness Studies</a:t>
-            </a:r>
-            <a:r>
-              <a:rPr/>
-              <a:t>, </a:t>
-            </a:r>
-            <a:r>
-              <a:rPr i="1"/>
-              <a:t>22</a:t>
-            </a:r>
-            <a:r>
-              <a:rPr/>
-              <a:t>(2), 981–1009. </a:t>
-            </a:r>
-            <a:r>
-              <a:rPr>
-                <a:hlinkClick r:id="rId2"/>
-              </a:rPr>
-              <a:t>https://doi.org/10.1007/s10902-020-00260-6</a:t>
-            </a:r>
-          </a:p>
-          <a:p>
-            <a:pPr lvl="0" indent="0" marL="0">
-              <a:buNone/>
-            </a:pPr>
-            <a:r>
-              <a:rPr/>
-              <a:t>King, M. (2021). </a:t>
-            </a:r>
-            <a:r>
-              <a:rPr i="1"/>
-              <a:t>Social chemistry: Decoding the patterns of human connection</a:t>
-            </a:r>
-            <a:r>
-              <a:rPr/>
-              <a:t>. Dutton.</a:t>
-            </a:r>
-          </a:p>
-          <a:p>
-            <a:pPr lvl="0" indent="0" marL="0">
-              <a:buNone/>
-            </a:pPr>
-            <a:r>
-              <a:rPr/>
-              <a:t>Rice, L., Alquist, J. L., Penuliar, M., Donato, F. V., &amp; Price, M. M. (2021). Engaging students in a research methods writing lab online. </a:t>
-            </a:r>
-            <a:r>
-              <a:rPr i="1"/>
-              <a:t>Teaching of Psychology</a:t>
-            </a:r>
-            <a:r>
-              <a:rPr/>
-              <a:t>, </a:t>
-            </a:r>
-            <a:r>
-              <a:rPr i="1"/>
-              <a:t>48</a:t>
-            </a:r>
-            <a:r>
-              <a:rPr/>
-              <a:t>(1), 18–25. </a:t>
-            </a:r>
-            <a:r>
-              <a:rPr>
-                <a:hlinkClick r:id="rId3"/>
-              </a:rPr>
-              <a:t>https://doi.org/10.1177/0098628320959954</a:t>
-            </a:r>
-          </a:p>
-        </p:txBody>
-      </p:sp>
-    </p:spTree>
-  </p:cSld>
-</p:sld>
-</file>
-
-<file path=ppt/slides/slide2.xml><?xml version="1.0" encoding="utf-8"?>
-<p:sld xmlns:a="http://schemas.openxmlformats.org/drawingml/2006/main" xmlns:r="http://schemas.openxmlformats.org/officeDocument/2006/relationships" xmlns:p="http://schemas.openxmlformats.org/presentationml/2006/main">
-  <p:cSld>
-    <p:spTree>
-      <p:nvGrpSpPr>
-        <p:cNvPr id="1" name=""/>
-        <p:cNvGrpSpPr/>
-        <p:nvPr/>
-      </p:nvGrpSpPr>
-      <p:grpSpPr>
-        <a:xfrm>
-          <a:off x="0" y="0"/>
-          <a:ext cx="0" cy="0"/>
-          <a:chOff x="0" y="0"/>
-          <a:chExt cx="0" cy="0"/>
-        </a:xfrm>
-      </p:grpSpPr>
-      <p:sp>
-        <p:nvSpPr>
-          <p:cNvPr id="2" name="Title 1">
-            <a:extLst>
-              <a:ext uri="{FF2B5EF4-FFF2-40B4-BE49-F238E27FC236}">
-                <a16:creationId xmlns:a16="http://schemas.microsoft.com/office/drawing/2014/main" id="{FF6A6CB2-D1B6-B94A-84C1-83C65423C650}"/>
-              </a:ext>
-            </a:extLst>
-          </p:cNvPr>
-          <p:cNvSpPr>
-            <a:spLocks noGrp="1"/>
-          </p:cNvSpPr>
-          <p:nvPr>
-            <p:ph type="title"/>
-          </p:nvPr>
-        </p:nvSpPr>
-        <p:spPr>
-          <a:xfrm>
-            <a:off x="831851" y="1709742"/>
-            <a:ext cx="10515600" cy="2852737"/>
-          </a:xfrm>
-          <a:prstGeom prst="rect">
-            <a:avLst/>
-          </a:prstGeom>
-        </p:spPr>
-        <p:txBody>
-          <a:bodyPr/>
-          <a:lstStyle/>
-          <a:p>
-            <a:pPr lvl="0" indent="0" marL="0">
-              <a:buNone/>
-            </a:pPr>
-            <a:r>
-              <a:rPr/>
-              <a:t>New Section Sunday</a:t>
-            </a:r>
-          </a:p>
-        </p:txBody>
-      </p:sp>
-    </p:spTree>
-  </p:cSld>
-</p:sld>
-</file>
-
-<file path=ppt/slides/slide3.xml><?xml version="1.0" encoding="utf-8"?>
-<p:sld xmlns:a="http://schemas.openxmlformats.org/drawingml/2006/main" xmlns:r="http://schemas.openxmlformats.org/officeDocument/2006/relationships" xmlns:p="http://schemas.openxmlformats.org/presentationml/2006/main">
-  <p:cSld>
-    <p:spTree>
-      <p:nvGrpSpPr>
-        <p:cNvPr id="1" name=""/>
-        <p:cNvGrpSpPr/>
-        <p:nvPr/>
-      </p:nvGrpSpPr>
-      <p:grpSpPr>
-        <a:xfrm>
-          <a:off x="0" y="0"/>
-          <a:ext cx="0" cy="0"/>
-          <a:chOff x="0" y="0"/>
-          <a:chExt cx="0" cy="0"/>
-        </a:xfrm>
-      </p:grpSpPr>
-      <p:sp>
-        <p:nvSpPr>
-          <p:cNvPr id="3" name="Content Placeholder 2">
-            <a:extLst>
-              <a:ext uri="{FF2B5EF4-FFF2-40B4-BE49-F238E27FC236}">
-                <a16:creationId xmlns:a16="http://schemas.microsoft.com/office/drawing/2014/main" id="{63FA7BF1-44B1-744C-AB68-4BB0A6A5977E}"/>
-              </a:ext>
-            </a:extLst>
-          </p:cNvPr>
-          <p:cNvSpPr>
-            <a:spLocks noGrp="1"/>
-          </p:cNvSpPr>
-          <p:nvPr>
-            <p:ph idx="1" sz="half"/>
-          </p:nvPr>
-        </p:nvSpPr>
-        <p:spPr/>
-        <p:txBody>
-          <a:bodyPr/>
-          <a:lstStyle/>
-          <a:p>
-            <a:pPr lvl="0" indent="0" marL="0">
-              <a:buNone/>
-            </a:pPr>
-            <a:r>
-              <a:rPr/>
-              <a:t>Fucker Does</a:t>
-            </a:r>
-          </a:p>
-        </p:txBody>
-      </p:sp>
-      <p:sp>
-        <p:nvSpPr>
-          <p:cNvPr id="4" name="Content Placeholder 3">
-            <a:extLst>
-              <a:ext uri="{FF2B5EF4-FFF2-40B4-BE49-F238E27FC236}">
-                <a16:creationId xmlns:a16="http://schemas.microsoft.com/office/drawing/2014/main" id="{3B974A49-6A1E-2F48-B419-02B0A17B9692}"/>
-              </a:ext>
-            </a:extLst>
-          </p:cNvPr>
-          <p:cNvSpPr>
-            <a:spLocks noGrp="1"/>
-          </p:cNvSpPr>
-          <p:nvPr>
-            <p:ph idx="2" sz="half"/>
-          </p:nvPr>
-        </p:nvSpPr>
-        <p:spPr/>
-        <p:txBody>
-          <a:bodyPr/>
-          <a:lstStyle/>
-          <a:p>
-            <a:pPr lvl="0" indent="0" marL="0">
-              <a:buNone/>
-            </a:pPr>
-            <a:r>
-              <a:rPr/>
-              <a:t>Wanker Doesnt’</a:t>
-            </a:r>
-          </a:p>
-        </p:txBody>
-      </p:sp>
-    </p:spTree>
-  </p:cSld>
-</p:sld>
-</file>
-
-<file path=ppt/slides/slide4.xml><?xml version="1.0" encoding="utf-8"?>
-<p:sld xmlns:a="http://schemas.openxmlformats.org/drawingml/2006/main" xmlns:r="http://schemas.openxmlformats.org/officeDocument/2006/relationships" xmlns:p="http://schemas.openxmlformats.org/presentationml/2006/main">
-  <p:cSld>
-    <p:spTree>
-      <p:nvGrpSpPr>
-        <p:cNvPr id="1" name=""/>
-        <p:cNvGrpSpPr/>
-        <p:nvPr/>
-      </p:nvGrpSpPr>
-      <p:grpSpPr>
-        <a:xfrm>
-          <a:off x="0" y="0"/>
-          <a:ext cx="0" cy="0"/>
-          <a:chOff x="0" y="0"/>
-          <a:chExt cx="0" cy="0"/>
-        </a:xfrm>
-      </p:grpSpPr>
-      <p:sp>
-        <p:nvSpPr>
-          <p:cNvPr id="2" name="Title 1">
-            <a:extLst>
-              <a:ext uri="{FF2B5EF4-FFF2-40B4-BE49-F238E27FC236}">
-                <a16:creationId xmlns:a16="http://schemas.microsoft.com/office/drawing/2014/main" id="{FF6A6CB2-D1B6-B94A-84C1-83C65423C650}"/>
-              </a:ext>
-            </a:extLst>
-          </p:cNvPr>
-          <p:cNvSpPr>
-            <a:spLocks noGrp="1"/>
-          </p:cNvSpPr>
-          <p:nvPr>
-            <p:ph type="title"/>
-          </p:nvPr>
-        </p:nvSpPr>
-        <p:spPr>
-          <a:xfrm>
-            <a:off x="831851" y="1709742"/>
-            <a:ext cx="10515600" cy="2852737"/>
-          </a:xfrm>
-          <a:prstGeom prst="rect">
-            <a:avLst/>
-          </a:prstGeom>
-        </p:spPr>
-        <p:txBody>
-          <a:bodyPr/>
-          <a:lstStyle/>
-          <a:p>
-            <a:pPr lvl="0" indent="0" marL="0">
-              <a:buNone/>
-            </a:pPr>
-            <a:r>
-              <a:rPr/>
-              <a:t>Section heading 2007</a:t>
-            </a:r>
-          </a:p>
-        </p:txBody>
-      </p:sp>
-    </p:spTree>
-  </p:cSld>
-</p:sld>
-</file>
-
 <file path=ppt/slides/slide5.xml><?xml version="1.0" encoding="utf-8"?>
 <p:sld xmlns:a="http://schemas.openxmlformats.org/drawingml/2006/main" xmlns:r="http://schemas.openxmlformats.org/officeDocument/2006/relationships" xmlns:p="http://schemas.openxmlformats.org/presentationml/2006/main">
   <p:cSld>
@@ -6662,6 +7617,45 @@
       </p:grpSpPr>
       <p:sp>
         <p:nvSpPr>
+          <p:cNvPr id="2" name="Title 1">
+            <a:extLst>
+              <a:ext uri="{FF2B5EF4-FFF2-40B4-BE49-F238E27FC236}">
+                <a16:creationId xmlns:a16="http://schemas.microsoft.com/office/drawing/2014/main" id="{DD9B8E45-0772-954C-8D4B-6E6808DFEDED}"/>
+              </a:ext>
+            </a:extLst>
+          </p:cNvPr>
+          <p:cNvSpPr>
+            <a:spLocks noGrp="1"/>
+          </p:cNvSpPr>
+          <p:nvPr>
+            <p:ph type="title"/>
+          </p:nvPr>
+        </p:nvSpPr>
+        <p:spPr>
+          <a:xfrm>
+            <a:off x="838200" y="365129"/>
+            <a:ext cx="10515600" cy="1325563"/>
+          </a:xfrm>
+          <a:prstGeom prst="rect">
+            <a:avLst/>
+          </a:prstGeom>
+        </p:spPr>
+        <p:txBody>
+          <a:bodyPr/>
+          <a:lstStyle/>
+          <a:p>
+            <a:pPr lvl="0" indent="0" marL="0">
+              <a:buNone/>
+            </a:pPr>
+            <a:r>
+              <a:rPr/>
+              <a:t>Page with aside</a:t>
+            </a:r>
+          </a:p>
+        </p:txBody>
+      </p:sp>
+      <p:sp>
+        <p:nvSpPr>
           <p:cNvPr id="3" name="Content Placeholder 2">
             <a:extLst>
               <a:ext uri="{FF2B5EF4-FFF2-40B4-BE49-F238E27FC236}">
@@ -6686,7 +7680,16 @@
             </a:pPr>
             <a:r>
               <a:rPr/>
-              <a:t>ABCDES</a:t>
+              <a:t>Here is an important point</a:t>
+            </a:r>
+          </a:p>
+          <a:p>
+            <a:pPr lvl="0" indent="0" marL="0">
+              <a:buNone/>
+            </a:pPr>
+            <a:r>
+              <a:rPr/>
+              <a:t>Additional commentary.</a:t>
             </a:r>
           </a:p>
         </p:txBody>
@@ -6718,7 +7721,7 @@
           <p:cNvPr id="2" name="Title 1">
             <a:extLst>
               <a:ext uri="{FF2B5EF4-FFF2-40B4-BE49-F238E27FC236}">
-                <a16:creationId xmlns:a16="http://schemas.microsoft.com/office/drawing/2014/main" id="{2ECFDBC1-527D-3041-984A-EF5E7E9B7495}"/>
+                <a16:creationId xmlns:a16="http://schemas.microsoft.com/office/drawing/2014/main" id="{DD9B8E45-0772-954C-8D4B-6E6808DFEDED}"/>
               </a:ext>
             </a:extLst>
           </p:cNvPr>
@@ -6747,7 +7750,7 @@
             </a:pPr>
             <a:r>
               <a:rPr/>
-              <a:t>Test Slide</a:t>
+              <a:t>Page with a note comment</a:t>
             </a:r>
           </a:p>
         </p:txBody>
@@ -6757,15 +7760,15 @@
           <p:cNvPr id="3" name="Content Placeholder 2">
             <a:extLst>
               <a:ext uri="{FF2B5EF4-FFF2-40B4-BE49-F238E27FC236}">
-                <a16:creationId xmlns:a16="http://schemas.microsoft.com/office/drawing/2014/main" id="{63FA7BF1-44B1-744C-AB68-4BB0A6A5977E}"/>
-              </a:ext>
-            </a:extLst>
-          </p:cNvPr>
-          <p:cNvSpPr>
-            <a:spLocks noGrp="1"/>
-          </p:cNvSpPr>
-          <p:nvPr>
-            <p:ph idx="1" sz="half"/>
+                <a16:creationId xmlns:a16="http://schemas.microsoft.com/office/drawing/2014/main" id="{A4EB24F9-04F1-C843-9D71-56C5C024552B}"/>
+              </a:ext>
+            </a:extLst>
+          </p:cNvPr>
+          <p:cNvSpPr>
+            <a:spLocks noGrp="1"/>
+          </p:cNvSpPr>
+          <p:nvPr>
+            <p:ph idx="1"/>
           </p:nvPr>
         </p:nvSpPr>
         <p:spPr/>
@@ -6774,90 +7777,29 @@
           <a:lstStyle/>
           <a:p>
             <a:pPr lvl="0" indent="0" marL="0">
-              <a:spcBef>
-                <a:spcPts val="3000"/>
-              </a:spcBef>
               <a:buNone/>
             </a:pPr>
             <a:r>
-              <a:rPr b="1"/>
-              <a:t>List One</a:t>
-            </a:r>
-          </a:p>
-          <a:p>
-            <a:pPr lvl="0"/>
-            <a:r>
               <a:rPr/>
-              <a:t>Item A</a:t>
-            </a:r>
-          </a:p>
-          <a:p>
-            <a:pPr lvl="0"/>
-            <a:r>
-              <a:rPr/>
-              <a:t>Item B</a:t>
-            </a:r>
-          </a:p>
-          <a:p>
-            <a:pPr lvl="0"/>
-            <a:r>
-              <a:rPr/>
-              <a:t>Item C</a:t>
-            </a:r>
-          </a:p>
-        </p:txBody>
-      </p:sp>
-      <p:sp>
-        <p:nvSpPr>
-          <p:cNvPr id="4" name="Content Placeholder 3">
-            <a:extLst>
-              <a:ext uri="{FF2B5EF4-FFF2-40B4-BE49-F238E27FC236}">
-                <a16:creationId xmlns:a16="http://schemas.microsoft.com/office/drawing/2014/main" id="{3B974A49-6A1E-2F48-B419-02B0A17B9692}"/>
-              </a:ext>
-            </a:extLst>
-          </p:cNvPr>
-          <p:cNvSpPr>
-            <a:spLocks noGrp="1"/>
-          </p:cNvSpPr>
-          <p:nvPr>
-            <p:ph idx="2" sz="half"/>
-          </p:nvPr>
-        </p:nvSpPr>
-        <p:spPr/>
-        <p:txBody>
-          <a:bodyPr/>
-          <a:lstStyle/>
-          <a:p>
-            <a:pPr lvl="0" indent="0" marL="0">
-              <a:spcBef>
-                <a:spcPts val="3000"/>
-              </a:spcBef>
+              <a:t>Here is something I say</a:t>
+            </a:r>
+          </a:p>
+          <a:p>
+            <a:pPr lvl="0" indent="0" marL="1270000">
               <a:buNone/>
             </a:pPr>
             <a:r>
-              <a:rPr b="1"/>
-              <a:t>List Two</a:t>
-            </a:r>
-          </a:p>
-          <a:p>
-            <a:pPr lvl="0"/>
-            <a:r>
-              <a:rPr/>
-              <a:t>Item X</a:t>
-            </a:r>
-          </a:p>
-          <a:p>
-            <a:pPr lvl="0"/>
-            <a:r>
-              <a:rPr/>
-              <a:t>Item Y</a:t>
-            </a:r>
-          </a:p>
-          <a:p>
-            <a:pPr lvl="0"/>
-            <a:r>
-              <a:rPr/>
-              <a:t>Item Z</a:t>
+              <a:rPr sz="2000" b="1"/>
+              <a:t>Note</a:t>
+            </a:r>
+          </a:p>
+          <a:p>
+            <a:pPr lvl="0" indent="0" marL="1270000">
+              <a:buNone/>
+            </a:pPr>
+            <a:r>
+              <a:rPr sz="2000"/>
+              <a:t>This is very noteworthy</a:t>
             </a:r>
           </a:p>
         </p:txBody>
@@ -6918,7 +7860,56 @@
             </a:pPr>
             <a:r>
               <a:rPr/>
-              <a:t>Quarto enables collaborating across coding comfort levels</a:t>
+              <a:t>Page with a warning</a:t>
+            </a:r>
+          </a:p>
+        </p:txBody>
+      </p:sp>
+      <p:sp>
+        <p:nvSpPr>
+          <p:cNvPr id="3" name="Content Placeholder 2">
+            <a:extLst>
+              <a:ext uri="{FF2B5EF4-FFF2-40B4-BE49-F238E27FC236}">
+                <a16:creationId xmlns:a16="http://schemas.microsoft.com/office/drawing/2014/main" id="{A4EB24F9-04F1-C843-9D71-56C5C024552B}"/>
+              </a:ext>
+            </a:extLst>
+          </p:cNvPr>
+          <p:cNvSpPr>
+            <a:spLocks noGrp="1"/>
+          </p:cNvSpPr>
+          <p:nvPr>
+            <p:ph idx="1"/>
+          </p:nvPr>
+        </p:nvSpPr>
+        <p:spPr/>
+        <p:txBody>
+          <a:bodyPr/>
+          <a:lstStyle/>
+          <a:p>
+            <a:pPr lvl="0" indent="0" marL="0">
+              <a:buNone/>
+            </a:pPr>
+            <a:r>
+              <a:rPr/>
+              <a:t>Here is something I say</a:t>
+            </a:r>
+          </a:p>
+          <a:p>
+            <a:pPr lvl="0" indent="0" marL="1270000">
+              <a:buNone/>
+            </a:pPr>
+            <a:r>
+              <a:rPr sz="2000" b="1"/>
+              <a:t>Warning</a:t>
+            </a:r>
+          </a:p>
+          <a:p>
+            <a:pPr lvl="0" indent="0" marL="1270000">
+              <a:buNone/>
+            </a:pPr>
+            <a:r>
+              <a:rPr sz="2000"/>
+              <a:t>Be WARNED!!</a:t>
             </a:r>
           </a:p>
         </p:txBody>
@@ -6979,7 +7970,7 @@
             </a:pPr>
             <a:r>
               <a:rPr/>
-              <a:t>Slide heading</a:t>
+              <a:t>Page with an important comment</a:t>
             </a:r>
           </a:p>
         </p:txBody>
@@ -7010,49 +8001,25 @@
             </a:pPr>
             <a:r>
               <a:rPr/>
-              <a:t>Text here. You can use the mark tag to highlight things in some formats. 2007</a:t>
-            </a:r>
-          </a:p>
-          <a:p>
-            <a:pPr lvl="0" indent="0" marL="0">
-              <a:spcBef>
-                <a:spcPts val="3000"/>
-              </a:spcBef>
+              <a:t>Here is something I say</a:t>
+            </a:r>
+          </a:p>
+          <a:p>
+            <a:pPr lvl="0" indent="0" marL="1270000">
               <a:buNone/>
             </a:pPr>
             <a:r>
-              <a:rPr b="1"/>
-              <a:t>level 3 heading</a:t>
-            </a:r>
-          </a:p>
-          <a:p>
-            <a:pPr lvl="0" indent="0" marL="0">
+              <a:rPr sz="2000" b="1"/>
+              <a:t>Important</a:t>
+            </a:r>
+          </a:p>
+          <a:p>
+            <a:pPr lvl="0" indent="0" marL="1270000">
               <a:buNone/>
             </a:pPr>
             <a:r>
-              <a:rPr/>
-              <a:t>text</a:t>
-            </a:r>
-          </a:p>
-          <a:p>
-            <a:pPr lvl="0" indent="0" marL="0">
-              <a:spcBef>
-                <a:spcPts val="3000"/>
-              </a:spcBef>
-              <a:buNone/>
-            </a:pPr>
-            <a:r>
-              <a:rPr b="1"/>
-              <a:t>level 4 heading</a:t>
-            </a:r>
-          </a:p>
-          <a:p>
-            <a:pPr lvl="0" indent="0" marL="0">
-              <a:buNone/>
-            </a:pPr>
-            <a:r>
-              <a:rPr/>
-              <a:t>text</a:t>
+              <a:rPr sz="2000"/>
+              <a:t>This is very Important</a:t>
             </a:r>
           </a:p>
         </p:txBody>
@@ -7113,41 +8080,60 @@
             </a:pPr>
             <a:r>
               <a:rPr/>
-              <a:t>New slide heading</a:t>
-            </a:r>
-          </a:p>
-        </p:txBody>
-      </p:sp>
-      <p:pic>
-        <p:nvPicPr>
-          <p:cNvPr descr="images/paper.png" id="0" name="Picture 1"/>
-          <p:cNvPicPr>
-            <a:picLocks noGrp="1" noChangeAspect="1"/>
-          </p:cNvPicPr>
-          <p:nvPr/>
-        </p:nvPicPr>
-        <p:blipFill>
-          <a:blip r:embed="rId2"/>
-          <a:stretch>
-            <a:fillRect/>
-          </a:stretch>
-        </p:blipFill>
-        <p:spPr bwMode="auto">
-          <a:xfrm>
-            <a:off x="3835400" y="1816100"/>
-            <a:ext cx="4533900" cy="4343400"/>
-          </a:xfrm>
-          <a:prstGeom prst="rect">
-            <a:avLst/>
-          </a:prstGeom>
-          <a:noFill/>
-          <a:ln w="9525">
-            <a:noFill/>
-            <a:headEnd/>
-            <a:tailEnd/>
-          </a:ln>
-        </p:spPr>
-      </p:pic>
+              <a:t>Page with a tip</a:t>
+            </a:r>
+          </a:p>
+        </p:txBody>
+      </p:sp>
+      <p:sp>
+        <p:nvSpPr>
+          <p:cNvPr id="3" name="Content Placeholder 2">
+            <a:extLst>
+              <a:ext uri="{FF2B5EF4-FFF2-40B4-BE49-F238E27FC236}">
+                <a16:creationId xmlns:a16="http://schemas.microsoft.com/office/drawing/2014/main" id="{A4EB24F9-04F1-C843-9D71-56C5C024552B}"/>
+              </a:ext>
+            </a:extLst>
+          </p:cNvPr>
+          <p:cNvSpPr>
+            <a:spLocks noGrp="1"/>
+          </p:cNvSpPr>
+          <p:nvPr>
+            <p:ph idx="1"/>
+          </p:nvPr>
+        </p:nvSpPr>
+        <p:spPr/>
+        <p:txBody>
+          <a:bodyPr/>
+          <a:lstStyle/>
+          <a:p>
+            <a:pPr lvl="0" indent="0" marL="0">
+              <a:buNone/>
+            </a:pPr>
+            <a:r>
+              <a:rPr/>
+              <a:t>Here is something I say</a:t>
+            </a:r>
+          </a:p>
+          <a:p>
+            <a:pPr lvl="0" indent="0" marL="1270000">
+              <a:buNone/>
+            </a:pPr>
+            <a:r>
+              <a:rPr sz="2000" b="1"/>
+              <a:t>Tip</a:t>
+            </a:r>
+          </a:p>
+          <a:p>
+            <a:pPr lvl="0" indent="0" marL="1270000">
+              <a:buNone/>
+            </a:pPr>
+            <a:r>
+              <a:rPr sz="2000"/>
+              <a:t>This is a useful tip</a:t>
+            </a:r>
+          </a:p>
+        </p:txBody>
+      </p:sp>
     </p:spTree>
   </p:cSld>
 </p:sld>
